--- a/slides/dsdoverview.pptx
+++ b/slides/dsdoverview.pptx
@@ -13,15 +13,19 @@
     <p:sldId id="286" r:id="rId7"/>
     <p:sldId id="287" r:id="rId8"/>
     <p:sldId id="288" r:id="rId9"/>
-    <p:sldId id="289" r:id="rId10"/>
-    <p:sldId id="290" r:id="rId11"/>
-    <p:sldId id="291" r:id="rId12"/>
-    <p:sldId id="293" r:id="rId13"/>
-    <p:sldId id="294" r:id="rId14"/>
-    <p:sldId id="292" r:id="rId15"/>
-    <p:sldId id="295" r:id="rId16"/>
-    <p:sldId id="296" r:id="rId17"/>
-    <p:sldId id="297" r:id="rId18"/>
+    <p:sldId id="290" r:id="rId10"/>
+    <p:sldId id="291" r:id="rId11"/>
+    <p:sldId id="293" r:id="rId12"/>
+    <p:sldId id="294" r:id="rId13"/>
+    <p:sldId id="292" r:id="rId14"/>
+    <p:sldId id="295" r:id="rId15"/>
+    <p:sldId id="296" r:id="rId16"/>
+    <p:sldId id="298" r:id="rId17"/>
+    <p:sldId id="299" r:id="rId18"/>
+    <p:sldId id="300" r:id="rId19"/>
+    <p:sldId id="302" r:id="rId20"/>
+    <p:sldId id="303" r:id="rId21"/>
+    <p:sldId id="304" r:id="rId22"/>
   </p:sldIdLst>
   <p:sldSz cx="14630400" cy="8229600"/>
   <p:notesSz cx="6858000" cy="9144000"/>
@@ -132,7 +136,6 @@
             <p14:sldId id="286"/>
             <p14:sldId id="287"/>
             <p14:sldId id="288"/>
-            <p14:sldId id="289"/>
             <p14:sldId id="290"/>
             <p14:sldId id="291"/>
             <p14:sldId id="293"/>
@@ -140,7 +143,12 @@
             <p14:sldId id="292"/>
             <p14:sldId id="295"/>
             <p14:sldId id="296"/>
-            <p14:sldId id="297"/>
+            <p14:sldId id="298"/>
+            <p14:sldId id="299"/>
+            <p14:sldId id="300"/>
+            <p14:sldId id="302"/>
+            <p14:sldId id="303"/>
+            <p14:sldId id="304"/>
           </p14:sldIdLst>
         </p14:section>
       </p14:sectionLst>
@@ -352,6 +360,208 @@
 </file>
 
 <file path=ppt/slideLayouts/slideLayout2.xml><?xml version="1.0" encoding="utf-8"?>
+<p:sldLayout xmlns:a="http://schemas.openxmlformats.org/drawingml/2006/main" xmlns:r="http://schemas.openxmlformats.org/officeDocument/2006/relationships" xmlns:p="http://schemas.openxmlformats.org/presentationml/2006/main" userDrawn="1">
+  <p:cSld name="1_USF bullet slide">
+    <p:spTree>
+      <p:nvGrpSpPr>
+        <p:cNvPr id="1" name=""/>
+        <p:cNvGrpSpPr/>
+        <p:nvPr/>
+      </p:nvGrpSpPr>
+      <p:grpSpPr>
+        <a:xfrm>
+          <a:off x="0" y="0"/>
+          <a:ext cx="0" cy="0"/>
+          <a:chOff x="0" y="0"/>
+          <a:chExt cx="0" cy="0"/>
+        </a:xfrm>
+      </p:grpSpPr>
+      <p:sp>
+        <p:nvSpPr>
+          <p:cNvPr id="4" name="Title 3"/>
+          <p:cNvSpPr>
+            <a:spLocks noGrp="1"/>
+          </p:cNvSpPr>
+          <p:nvPr>
+            <p:ph type="title"/>
+          </p:nvPr>
+        </p:nvSpPr>
+        <p:spPr>
+          <a:xfrm>
+            <a:off x="896218" y="152905"/>
+            <a:ext cx="12819782" cy="852128"/>
+          </a:xfrm>
+          <a:prstGeom prst="rect">
+            <a:avLst/>
+          </a:prstGeom>
+        </p:spPr>
+        <p:txBody>
+          <a:bodyPr vert="horz" lIns="0" tIns="0" rIns="0" bIns="0" anchor="ctr" anchorCtr="0"/>
+          <a:lstStyle>
+            <a:lvl1pPr>
+              <a:lnSpc>
+                <a:spcPts val="3200"/>
+              </a:lnSpc>
+              <a:defRPr sz="2800"/>
+            </a:lvl1pPr>
+          </a:lstStyle>
+          <a:p>
+            <a:r>
+              <a:rPr lang="en-US" dirty="0" smtClean="0"/>
+              <a:t>Click to edit Master title style</a:t>
+            </a:r>
+            <a:endParaRPr lang="en-US" dirty="0"/>
+          </a:p>
+        </p:txBody>
+      </p:sp>
+      <p:sp>
+        <p:nvSpPr>
+          <p:cNvPr id="3" name="Text Placeholder 2"/>
+          <p:cNvSpPr>
+            <a:spLocks noGrp="1"/>
+          </p:cNvSpPr>
+          <p:nvPr>
+            <p:ph type="body" sz="quarter" idx="10"/>
+          </p:nvPr>
+        </p:nvSpPr>
+        <p:spPr>
+          <a:xfrm>
+            <a:off x="914403" y="1673463"/>
+            <a:ext cx="6425685" cy="5314110"/>
+          </a:xfrm>
+          <a:prstGeom prst="rect">
+            <a:avLst/>
+          </a:prstGeom>
+        </p:spPr>
+        <p:txBody>
+          <a:bodyPr vert="horz" lIns="0" tIns="0" rIns="0" bIns="0"/>
+          <a:lstStyle>
+            <a:lvl1pPr marL="0">
+              <a:lnSpc>
+                <a:spcPts val="3600"/>
+              </a:lnSpc>
+              <a:defRPr sz="2400"/>
+            </a:lvl1pPr>
+            <a:lvl2pPr marL="0">
+              <a:lnSpc>
+                <a:spcPts val="3600"/>
+              </a:lnSpc>
+              <a:defRPr sz="2400"/>
+            </a:lvl2pPr>
+            <a:lvl3pPr marL="0">
+              <a:lnSpc>
+                <a:spcPts val="3600"/>
+              </a:lnSpc>
+              <a:defRPr sz="2400"/>
+            </a:lvl3pPr>
+            <a:lvl4pPr marL="509588" indent="-230188">
+              <a:lnSpc>
+                <a:spcPts val="3600"/>
+              </a:lnSpc>
+              <a:defRPr sz="2400"/>
+            </a:lvl4pPr>
+            <a:lvl5pPr marL="795338" indent="-244475">
+              <a:lnSpc>
+                <a:spcPts val="3600"/>
+              </a:lnSpc>
+              <a:defRPr sz="2400"/>
+            </a:lvl5pPr>
+          </a:lstStyle>
+          <a:p>
+            <a:pPr lvl="0"/>
+            <a:r>
+              <a:rPr lang="en-US" smtClean="0"/>
+              <a:t>Click to edit Master text styles</a:t>
+            </a:r>
+          </a:p>
+          <a:p>
+            <a:pPr lvl="1"/>
+            <a:r>
+              <a:rPr lang="en-US" smtClean="0"/>
+              <a:t>Second level</a:t>
+            </a:r>
+          </a:p>
+          <a:p>
+            <a:pPr lvl="2"/>
+            <a:r>
+              <a:rPr lang="en-US" smtClean="0"/>
+              <a:t>Third level</a:t>
+            </a:r>
+          </a:p>
+          <a:p>
+            <a:pPr lvl="3"/>
+            <a:r>
+              <a:rPr lang="en-US" smtClean="0"/>
+              <a:t>Fourth level</a:t>
+            </a:r>
+          </a:p>
+          <a:p>
+            <a:pPr lvl="4"/>
+            <a:r>
+              <a:rPr lang="en-US" smtClean="0"/>
+              <a:t>Fifth level</a:t>
+            </a:r>
+            <a:endParaRPr lang="en-US" dirty="0"/>
+          </a:p>
+        </p:txBody>
+      </p:sp>
+      <p:cxnSp>
+        <p:nvCxnSpPr>
+          <p:cNvPr id="5" name="Straight Connector 4"/>
+          <p:cNvCxnSpPr/>
+          <p:nvPr userDrawn="1"/>
+        </p:nvCxnSpPr>
+        <p:spPr>
+          <a:xfrm flipH="1">
+            <a:off x="914404" y="1147097"/>
+            <a:ext cx="12801595" cy="0"/>
+          </a:xfrm>
+          <a:prstGeom prst="line">
+            <a:avLst/>
+          </a:prstGeom>
+          <a:ln w="6350">
+            <a:solidFill>
+              <a:schemeClr val="tx1"/>
+            </a:solidFill>
+          </a:ln>
+          <a:effectLst/>
+        </p:spPr>
+        <p:style>
+          <a:lnRef idx="2">
+            <a:schemeClr val="accent1"/>
+          </a:lnRef>
+          <a:fillRef idx="0">
+            <a:schemeClr val="accent1"/>
+          </a:fillRef>
+          <a:effectRef idx="1">
+            <a:schemeClr val="accent1"/>
+          </a:effectRef>
+          <a:fontRef idx="minor">
+            <a:schemeClr val="tx1"/>
+          </a:fontRef>
+        </p:style>
+      </p:cxnSp>
+    </p:spTree>
+    <p:extLst>
+      <p:ext uri="{BB962C8B-B14F-4D97-AF65-F5344CB8AC3E}">
+        <p14:creationId xmlns:p14="http://schemas.microsoft.com/office/powerpoint/2010/main" val="2561496768"/>
+      </p:ext>
+    </p:extLst>
+  </p:cSld>
+  <p:clrMapOvr>
+    <a:masterClrMapping/>
+  </p:clrMapOvr>
+  <p:timing>
+    <p:tnLst>
+      <p:par>
+        <p:cTn xmlns:p14="http://schemas.microsoft.com/office/powerpoint/2010/main" id="1" dur="indefinite" restart="never" nodeType="tmRoot"/>
+      </p:par>
+    </p:tnLst>
+  </p:timing>
+</p:sldLayout>
+</file>
+
+<file path=ppt/slideLayouts/slideLayout3.xml><?xml version="1.0" encoding="utf-8"?>
 <p:sldLayout xmlns:a="http://schemas.openxmlformats.org/drawingml/2006/main" xmlns:r="http://schemas.openxmlformats.org/officeDocument/2006/relationships" xmlns:p="http://schemas.openxmlformats.org/presentationml/2006/main" preserve="1" userDrawn="1">
   <p:cSld name="1_USF bullet slide">
     <p:spTree>
@@ -557,7 +767,7 @@
           <p:nvPr/>
         </p:nvPicPr>
         <p:blipFill>
-          <a:blip r:embed="rId3">
+          <a:blip r:embed="rId4">
             <a:extLst>
               <a:ext uri="{28A0092B-C50C-407E-A947-70E740481C1C}">
                 <a14:useLocalDpi xmlns:a14="http://schemas.microsoft.com/office/drawing/2010/main" val="0"/>
@@ -588,6 +798,7 @@
   <p:clrMap bg1="lt1" tx1="dk1" bg2="lt2" tx2="dk2" accent1="accent1" accent2="accent2" accent3="accent3" accent4="accent4" accent5="accent5" accent6="accent6" hlink="hlink" folHlink="folHlink"/>
   <p:sldLayoutIdLst>
     <p:sldLayoutId id="2147483649" r:id="rId1"/>
+    <p:sldLayoutId id="2147483653" r:id="rId2"/>
   </p:sldLayoutIdLst>
   <p:timing>
     <p:tnLst>
@@ -1346,11 +1557,7 @@
           <a:p>
             <a:r>
               <a:rPr lang="en-US" dirty="0" smtClean="0"/>
-              <a:t>Sami </a:t>
-            </a:r>
-            <a:r>
-              <a:rPr lang="en-US" dirty="0" smtClean="0"/>
-              <a:t>Rollins</a:t>
+              <a:t>Sami Rollins</a:t>
             </a:r>
             <a:endParaRPr lang="en-US" dirty="0"/>
           </a:p>
@@ -1410,168 +1617,6 @@
           <a:p>
             <a:r>
               <a:rPr lang="en-US" dirty="0" smtClean="0"/>
-              <a:t>Other distributed systems</a:t>
-            </a:r>
-            <a:endParaRPr lang="en-US" dirty="0"/>
-          </a:p>
-        </p:txBody>
-      </p:sp>
-      <p:sp>
-        <p:nvSpPr>
-          <p:cNvPr id="3" name="Text Placeholder 2"/>
-          <p:cNvSpPr>
-            <a:spLocks noGrp="1"/>
-          </p:cNvSpPr>
-          <p:nvPr>
-            <p:ph type="body" sz="quarter" idx="10"/>
-          </p:nvPr>
-        </p:nvSpPr>
-        <p:spPr/>
-        <p:txBody>
-          <a:bodyPr/>
-          <a:lstStyle/>
-          <a:p>
-            <a:pPr marL="342900" indent="-342900">
-              <a:buFont typeface="Arial"/>
-              <a:buChar char="•"/>
-            </a:pPr>
-            <a:r>
-              <a:rPr lang="en-US" dirty="0" smtClean="0"/>
-              <a:t>Peer-to-peer</a:t>
-            </a:r>
-          </a:p>
-          <a:p>
-            <a:pPr marL="852488" lvl="3" indent="-342900"/>
-            <a:r>
-              <a:rPr lang="en-US" dirty="0" smtClean="0"/>
-              <a:t>File sharing/distribution</a:t>
-            </a:r>
-          </a:p>
-          <a:p>
-            <a:pPr marL="852488" lvl="3" indent="-342900"/>
-            <a:r>
-              <a:rPr lang="en-US" dirty="0" smtClean="0"/>
-              <a:t>Gnutella?</a:t>
-            </a:r>
-          </a:p>
-          <a:p>
-            <a:pPr marL="852488" lvl="3" indent="-342900"/>
-            <a:r>
-              <a:rPr lang="en-US" dirty="0" smtClean="0"/>
-              <a:t>Bit torrent</a:t>
-            </a:r>
-          </a:p>
-          <a:p>
-            <a:pPr marL="852488" lvl="3" indent="-342900"/>
-            <a:r>
-              <a:rPr lang="en-US" dirty="0" smtClean="0"/>
-              <a:t>Others?</a:t>
-            </a:r>
-          </a:p>
-          <a:p>
-            <a:pPr marL="342900" indent="-342900">
-              <a:buFont typeface="Arial"/>
-              <a:buChar char="•"/>
-            </a:pPr>
-            <a:r>
-              <a:rPr lang="en-US" dirty="0" smtClean="0"/>
-              <a:t>MMOG</a:t>
-            </a:r>
-          </a:p>
-          <a:p>
-            <a:pPr marL="342900" indent="-342900">
-              <a:buFont typeface="Arial"/>
-              <a:buChar char="•"/>
-            </a:pPr>
-            <a:r>
-              <a:rPr lang="en-US" dirty="0" smtClean="0"/>
-              <a:t>DNS</a:t>
-            </a:r>
-          </a:p>
-          <a:p>
-            <a:pPr marL="342900" indent="-342900">
-              <a:buFont typeface="Arial"/>
-              <a:buChar char="•"/>
-            </a:pPr>
-            <a:r>
-              <a:rPr lang="en-US" dirty="0" smtClean="0"/>
-              <a:t>CDNs</a:t>
-            </a:r>
-          </a:p>
-          <a:p>
-            <a:pPr marL="852488" lvl="3" indent="-342900"/>
-            <a:r>
-              <a:rPr lang="en-US" dirty="0" smtClean="0"/>
-              <a:t>Akamai</a:t>
-            </a:r>
-          </a:p>
-          <a:p>
-            <a:pPr marL="852488" lvl="3" indent="-342900"/>
-            <a:r>
-              <a:rPr lang="en-US" dirty="0" smtClean="0"/>
-              <a:t>Limelight</a:t>
-            </a:r>
-          </a:p>
-          <a:p>
-            <a:pPr marL="852488" lvl="3" indent="-342900"/>
-            <a:r>
-              <a:rPr lang="en-US" dirty="0" smtClean="0"/>
-              <a:t>Netflix Open Connect</a:t>
-            </a:r>
-          </a:p>
-          <a:p>
-            <a:pPr marL="852488" lvl="3" indent="-342900"/>
-            <a:endParaRPr lang="en-US" dirty="0"/>
-          </a:p>
-        </p:txBody>
-      </p:sp>
-    </p:spTree>
-    <p:extLst>
-      <p:ext uri="{BB962C8B-B14F-4D97-AF65-F5344CB8AC3E}">
-        <p14:creationId xmlns:p14="http://schemas.microsoft.com/office/powerpoint/2010/main" val="2080929263"/>
-      </p:ext>
-    </p:extLst>
-  </p:cSld>
-  <p:clrMapOvr>
-    <a:masterClrMapping/>
-  </p:clrMapOvr>
-</p:sld>
-</file>
-
-<file path=ppt/slides/slide11.xml><?xml version="1.0" encoding="utf-8"?>
-<p:sld xmlns:a="http://schemas.openxmlformats.org/drawingml/2006/main" xmlns:r="http://schemas.openxmlformats.org/officeDocument/2006/relationships" xmlns:p="http://schemas.openxmlformats.org/presentationml/2006/main">
-  <p:cSld>
-    <p:spTree>
-      <p:nvGrpSpPr>
-        <p:cNvPr id="1" name=""/>
-        <p:cNvGrpSpPr/>
-        <p:nvPr/>
-      </p:nvGrpSpPr>
-      <p:grpSpPr>
-        <a:xfrm>
-          <a:off x="0" y="0"/>
-          <a:ext cx="0" cy="0"/>
-          <a:chOff x="0" y="0"/>
-          <a:chExt cx="0" cy="0"/>
-        </a:xfrm>
-      </p:grpSpPr>
-      <p:sp>
-        <p:nvSpPr>
-          <p:cNvPr id="2" name="Title 1"/>
-          <p:cNvSpPr>
-            <a:spLocks noGrp="1"/>
-          </p:cNvSpPr>
-          <p:nvPr>
-            <p:ph type="title"/>
-          </p:nvPr>
-        </p:nvSpPr>
-        <p:spPr/>
-        <p:txBody>
-          <a:bodyPr/>
-          <a:lstStyle/>
-          <a:p>
-            <a:r>
-              <a:rPr lang="en-US" dirty="0" smtClean="0"/>
               <a:t>Architectures</a:t>
             </a:r>
             <a:endParaRPr lang="en-US" dirty="0"/>
@@ -1621,7 +1666,7 @@
 </p:sld>
 </file>
 
-<file path=ppt/slides/slide12.xml><?xml version="1.0" encoding="utf-8"?>
+<file path=ppt/slides/slide11.xml><?xml version="1.0" encoding="utf-8"?>
 <p:sld xmlns:a="http://schemas.openxmlformats.org/drawingml/2006/main" xmlns:r="http://schemas.openxmlformats.org/officeDocument/2006/relationships" xmlns:p="http://schemas.openxmlformats.org/presentationml/2006/main">
   <p:cSld>
     <p:spTree>
@@ -1742,6 +1787,86 @@
 </p:sld>
 </file>
 
+<file path=ppt/slides/slide12.xml><?xml version="1.0" encoding="utf-8"?>
+<p:sld xmlns:a="http://schemas.openxmlformats.org/drawingml/2006/main" xmlns:r="http://schemas.openxmlformats.org/officeDocument/2006/relationships" xmlns:p="http://schemas.openxmlformats.org/presentationml/2006/main">
+  <p:cSld>
+    <p:spTree>
+      <p:nvGrpSpPr>
+        <p:cNvPr id="1" name=""/>
+        <p:cNvGrpSpPr/>
+        <p:nvPr/>
+      </p:nvGrpSpPr>
+      <p:grpSpPr>
+        <a:xfrm>
+          <a:off x="0" y="0"/>
+          <a:ext cx="0" cy="0"/>
+          <a:chOff x="0" y="0"/>
+          <a:chExt cx="0" cy="0"/>
+        </a:xfrm>
+      </p:grpSpPr>
+      <p:sp>
+        <p:nvSpPr>
+          <p:cNvPr id="2" name="Title 1"/>
+          <p:cNvSpPr>
+            <a:spLocks noGrp="1"/>
+          </p:cNvSpPr>
+          <p:nvPr>
+            <p:ph type="title"/>
+          </p:nvPr>
+        </p:nvSpPr>
+        <p:spPr/>
+        <p:txBody>
+          <a:bodyPr/>
+          <a:lstStyle/>
+          <a:p>
+            <a:r>
+              <a:rPr lang="en-US" dirty="0" smtClean="0"/>
+              <a:t>Main challenges?</a:t>
+            </a:r>
+            <a:endParaRPr lang="en-US" dirty="0"/>
+          </a:p>
+        </p:txBody>
+      </p:sp>
+      <p:sp>
+        <p:nvSpPr>
+          <p:cNvPr id="3" name="Text Placeholder 2"/>
+          <p:cNvSpPr>
+            <a:spLocks noGrp="1"/>
+          </p:cNvSpPr>
+          <p:nvPr>
+            <p:ph type="body" sz="quarter" idx="10"/>
+          </p:nvPr>
+        </p:nvSpPr>
+        <p:spPr/>
+        <p:txBody>
+          <a:bodyPr/>
+          <a:lstStyle/>
+          <a:p>
+            <a:pPr marL="342900" indent="-342900">
+              <a:buFont typeface="Arial"/>
+              <a:buChar char="•"/>
+            </a:pPr>
+            <a:r>
+              <a:rPr lang="en-US" dirty="0" smtClean="0"/>
+              <a:t>What do you think are the biggest challenges in building a distributed system?</a:t>
+            </a:r>
+            <a:endParaRPr lang="en-US" dirty="0"/>
+          </a:p>
+        </p:txBody>
+      </p:sp>
+    </p:spTree>
+    <p:extLst>
+      <p:ext uri="{BB962C8B-B14F-4D97-AF65-F5344CB8AC3E}">
+        <p14:creationId xmlns:p14="http://schemas.microsoft.com/office/powerpoint/2010/main" val="1715453586"/>
+      </p:ext>
+    </p:extLst>
+  </p:cSld>
+  <p:clrMapOvr>
+    <a:masterClrMapping/>
+  </p:clrMapOvr>
+</p:sld>
+</file>
+
 <file path=ppt/slides/slide13.xml><?xml version="1.0" encoding="utf-8"?>
 <p:sld xmlns:a="http://schemas.openxmlformats.org/drawingml/2006/main" xmlns:r="http://schemas.openxmlformats.org/officeDocument/2006/relationships" xmlns:p="http://schemas.openxmlformats.org/presentationml/2006/main">
   <p:cSld>
@@ -1776,7 +1901,7 @@
           <a:p>
             <a:r>
               <a:rPr lang="en-US" dirty="0" smtClean="0"/>
-              <a:t>Main challenges?</a:t>
+              <a:t>Challenges</a:t>
             </a:r>
             <a:endParaRPr lang="en-US" dirty="0"/>
           </a:p>
@@ -1803,8 +1928,83 @@
             </a:pPr>
             <a:r>
               <a:rPr lang="en-US" dirty="0" smtClean="0"/>
-              <a:t>What do you think are the biggest challenges in building a distributed system?</a:t>
-            </a:r>
+              <a:t>Heterogeneity</a:t>
+            </a:r>
+          </a:p>
+          <a:p>
+            <a:pPr marL="852488" lvl="3" indent="-342900"/>
+            <a:r>
+              <a:rPr lang="en-US" dirty="0" smtClean="0"/>
+              <a:t>different networks, OSs, architectures</a:t>
+            </a:r>
+          </a:p>
+          <a:p>
+            <a:pPr marL="852488" lvl="3" indent="-342900"/>
+            <a:r>
+              <a:rPr lang="en-US" dirty="0" smtClean="0"/>
+              <a:t>communication protocols must be carefully defined</a:t>
+            </a:r>
+          </a:p>
+          <a:p>
+            <a:pPr marL="342900" indent="-342900">
+              <a:buFont typeface="Arial"/>
+              <a:buChar char="•"/>
+            </a:pPr>
+            <a:r>
+              <a:rPr lang="en-US" dirty="0" smtClean="0"/>
+              <a:t>Openness</a:t>
+            </a:r>
+          </a:p>
+          <a:p>
+            <a:pPr marL="852488" lvl="3" indent="-342900"/>
+            <a:r>
+              <a:rPr lang="en-US" dirty="0"/>
+              <a:t>C</a:t>
+            </a:r>
+            <a:r>
+              <a:rPr lang="en-US" dirty="0" smtClean="0"/>
+              <a:t>an new services/components be easily added?</a:t>
+            </a:r>
+          </a:p>
+          <a:p>
+            <a:pPr marL="342900" indent="-342900">
+              <a:buFont typeface="Arial"/>
+              <a:buChar char="•"/>
+            </a:pPr>
+            <a:r>
+              <a:rPr lang="en-US" dirty="0" smtClean="0"/>
+              <a:t>Security</a:t>
+            </a:r>
+          </a:p>
+          <a:p>
+            <a:pPr marL="852488" lvl="3" indent="-342900"/>
+            <a:r>
+              <a:rPr lang="en-US" dirty="0" smtClean="0"/>
+              <a:t>confidentiality, protection against corruption, resistant to attack</a:t>
+            </a:r>
+          </a:p>
+          <a:p>
+            <a:pPr marL="342900" indent="-342900">
+              <a:buFont typeface="Arial"/>
+              <a:buChar char="•"/>
+            </a:pPr>
+            <a:r>
+              <a:rPr lang="en-US" dirty="0" smtClean="0"/>
+              <a:t>Scalability</a:t>
+            </a:r>
+          </a:p>
+          <a:p>
+            <a:pPr marL="852488" lvl="3" indent="-342900"/>
+            <a:r>
+              <a:rPr lang="en-US" dirty="0" smtClean="0"/>
+              <a:t>tolerates increase in users and/or resources</a:t>
+            </a:r>
+          </a:p>
+          <a:p>
+            <a:pPr marL="342900" indent="-342900">
+              <a:buFont typeface="Arial"/>
+              <a:buChar char="•"/>
+            </a:pPr>
             <a:endParaRPr lang="en-US" dirty="0"/>
           </a:p>
         </p:txBody>
@@ -1812,7 +2012,7 @@
     </p:spTree>
     <p:extLst>
       <p:ext uri="{BB962C8B-B14F-4D97-AF65-F5344CB8AC3E}">
-        <p14:creationId xmlns:p14="http://schemas.microsoft.com/office/powerpoint/2010/main" val="1715453586"/>
+        <p14:creationId xmlns:p14="http://schemas.microsoft.com/office/powerpoint/2010/main" val="2681934342"/>
       </p:ext>
     </p:extLst>
   </p:cSld>
@@ -1883,21 +2083,14 @@
             </a:pPr>
             <a:r>
               <a:rPr lang="en-US" dirty="0" smtClean="0"/>
-              <a:t>Heterogeneity</a:t>
+              <a:t>Failure handling</a:t>
             </a:r>
           </a:p>
           <a:p>
             <a:pPr marL="852488" lvl="3" indent="-342900"/>
             <a:r>
               <a:rPr lang="en-US" dirty="0" smtClean="0"/>
-              <a:t>different networks, OSs, architectures</a:t>
-            </a:r>
-          </a:p>
-          <a:p>
-            <a:pPr marL="852488" lvl="3" indent="-342900"/>
-            <a:r>
-              <a:rPr lang="en-US" dirty="0" smtClean="0"/>
-              <a:t>communication protocols must be carefully defined</a:t>
+              <a:t>Can the system detect, mask, tolerate, recover from failures?</a:t>
             </a:r>
           </a:p>
           <a:p>
@@ -1907,18 +2100,14 @@
             </a:pPr>
             <a:r>
               <a:rPr lang="en-US" dirty="0" smtClean="0"/>
-              <a:t>Openness</a:t>
+              <a:t>Concurrency </a:t>
             </a:r>
           </a:p>
           <a:p>
             <a:pPr marL="852488" lvl="3" indent="-342900"/>
             <a:r>
-              <a:rPr lang="en-US" dirty="0"/>
-              <a:t>C</a:t>
-            </a:r>
-            <a:r>
-              <a:rPr lang="en-US" dirty="0" smtClean="0"/>
-              <a:t>an new services/components be easily added?</a:t>
+              <a:rPr lang="en-US" dirty="0" smtClean="0"/>
+              <a:t>able to handle multiple requests simultaneously</a:t>
             </a:r>
           </a:p>
           <a:p>
@@ -1928,31 +2117,14 @@
             </a:pPr>
             <a:r>
               <a:rPr lang="en-US" dirty="0" smtClean="0"/>
-              <a:t>Security</a:t>
+              <a:t>Transparency</a:t>
             </a:r>
           </a:p>
           <a:p>
             <a:pPr marL="852488" lvl="3" indent="-342900"/>
             <a:r>
               <a:rPr lang="en-US" dirty="0" smtClean="0"/>
-              <a:t>confidentiality, protection against corruption, resistant to attack</a:t>
-            </a:r>
-          </a:p>
-          <a:p>
-            <a:pPr marL="342900" indent="-342900">
-              <a:buFont typeface="Arial"/>
-              <a:buChar char="•"/>
-            </a:pPr>
-            <a:r>
-              <a:rPr lang="en-US" dirty="0" smtClean="0"/>
-              <a:t>Scalability</a:t>
-            </a:r>
-          </a:p>
-          <a:p>
-            <a:pPr marL="852488" lvl="3" indent="-342900"/>
-            <a:r>
-              <a:rPr lang="en-US" dirty="0" smtClean="0"/>
-              <a:t>tolerates increase in users and/or resources</a:t>
+              <a:t>local and remote resources accessible in the same way</a:t>
             </a:r>
           </a:p>
           <a:p>
@@ -1967,7 +2139,7 @@
     </p:spTree>
     <p:extLst>
       <p:ext uri="{BB962C8B-B14F-4D97-AF65-F5344CB8AC3E}">
-        <p14:creationId xmlns:p14="http://schemas.microsoft.com/office/powerpoint/2010/main" val="2681934342"/>
+        <p14:creationId xmlns:p14="http://schemas.microsoft.com/office/powerpoint/2010/main" val="4123522233"/>
       </p:ext>
     </p:extLst>
   </p:cSld>
@@ -2011,7 +2183,7 @@
           <a:p>
             <a:r>
               <a:rPr lang="en-US" dirty="0" smtClean="0"/>
-              <a:t>Challenges</a:t>
+              <a:t>Principles</a:t>
             </a:r>
             <a:endParaRPr lang="en-US" dirty="0"/>
           </a:p>
@@ -2019,7 +2191,7 @@
       </p:sp>
       <p:sp>
         <p:nvSpPr>
-          <p:cNvPr id="3" name="Text Placeholder 2"/>
+          <p:cNvPr id="6" name="Text Placeholder 2"/>
           <p:cNvSpPr>
             <a:spLocks noGrp="1"/>
           </p:cNvSpPr>
@@ -2038,14 +2210,21 @@
             </a:pPr>
             <a:r>
               <a:rPr lang="en-US" dirty="0" smtClean="0"/>
-              <a:t>Failure handling</a:t>
+              <a:t>Availability</a:t>
             </a:r>
           </a:p>
           <a:p>
             <a:pPr marL="852488" lvl="3" indent="-342900"/>
             <a:r>
               <a:rPr lang="en-US" dirty="0" smtClean="0"/>
-              <a:t>Can the system detect, mask, tolerate, recover from failures?</a:t>
+              <a:t>Enough resources to handle all traffic</a:t>
+            </a:r>
+          </a:p>
+          <a:p>
+            <a:pPr marL="852488" lvl="3" indent="-342900"/>
+            <a:r>
+              <a:rPr lang="en-US" dirty="0" smtClean="0"/>
+              <a:t>Failure is handled gracefully</a:t>
             </a:r>
           </a:p>
           <a:p>
@@ -2055,14 +2234,28 @@
             </a:pPr>
             <a:r>
               <a:rPr lang="en-US" dirty="0" smtClean="0"/>
-              <a:t>Concurrency </a:t>
+              <a:t>Performance</a:t>
             </a:r>
           </a:p>
           <a:p>
             <a:pPr marL="852488" lvl="3" indent="-342900"/>
             <a:r>
               <a:rPr lang="en-US" dirty="0" smtClean="0"/>
-              <a:t>able to handle multiple requests simultaneously</a:t>
+              <a:t>Fast response time </a:t>
+            </a:r>
+          </a:p>
+          <a:p>
+            <a:pPr marL="1138238" lvl="4" indent="-342900"/>
+            <a:r>
+              <a:rPr lang="en-US" dirty="0" smtClean="0"/>
+              <a:t>Sufficient hardware</a:t>
+            </a:r>
+          </a:p>
+          <a:p>
+            <a:pPr marL="1138238" lvl="4" indent="-342900"/>
+            <a:r>
+              <a:rPr lang="en-US" dirty="0" smtClean="0"/>
+              <a:t>Geographic placement</a:t>
             </a:r>
           </a:p>
           <a:p>
@@ -2070,31 +2263,14 @@
               <a:buFont typeface="Arial"/>
               <a:buChar char="•"/>
             </a:pPr>
-            <a:r>
-              <a:rPr lang="en-US" dirty="0" smtClean="0"/>
-              <a:t>Transparency</a:t>
-            </a:r>
-          </a:p>
-          <a:p>
-            <a:pPr marL="852488" lvl="3" indent="-342900"/>
-            <a:r>
-              <a:rPr lang="en-US" dirty="0" smtClean="0"/>
-              <a:t>local and remote resources accessible in the same way</a:t>
-            </a:r>
-          </a:p>
-          <a:p>
-            <a:pPr marL="342900" indent="-342900">
-              <a:buFont typeface="Arial"/>
-              <a:buChar char="•"/>
-            </a:pPr>
-            <a:endParaRPr lang="en-US" dirty="0"/>
+            <a:endParaRPr lang="en-US" dirty="0" smtClean="0"/>
           </a:p>
         </p:txBody>
       </p:sp>
     </p:spTree>
     <p:extLst>
       <p:ext uri="{BB962C8B-B14F-4D97-AF65-F5344CB8AC3E}">
-        <p14:creationId xmlns:p14="http://schemas.microsoft.com/office/powerpoint/2010/main" val="4123522233"/>
+        <p14:creationId xmlns:p14="http://schemas.microsoft.com/office/powerpoint/2010/main" val="2303543649"/>
       </p:ext>
     </p:extLst>
   </p:cSld>
@@ -2137,12 +2313,8 @@
           <a:lstStyle/>
           <a:p>
             <a:r>
-              <a:rPr lang="en-US" smtClean="0"/>
-              <a:t>Some topics we’ll </a:t>
-            </a:r>
-            <a:r>
-              <a:rPr lang="en-US" dirty="0" smtClean="0"/>
-              <a:t>consider</a:t>
+              <a:rPr lang="en-US" dirty="0" smtClean="0"/>
+              <a:t>Principles</a:t>
             </a:r>
             <a:endParaRPr lang="en-US" dirty="0"/>
           </a:p>
@@ -2150,7 +2322,7 @@
       </p:sp>
       <p:sp>
         <p:nvSpPr>
-          <p:cNvPr id="3" name="Text Placeholder 2"/>
+          <p:cNvPr id="6" name="Text Placeholder 2"/>
           <p:cNvSpPr>
             <a:spLocks noGrp="1"/>
           </p:cNvSpPr>
@@ -2169,7 +2341,35 @@
             </a:pPr>
             <a:r>
               <a:rPr lang="en-US" dirty="0" smtClean="0"/>
-              <a:t>Supporting concurrent operation</a:t>
+              <a:t>Reliability</a:t>
+            </a:r>
+          </a:p>
+          <a:p>
+            <a:pPr marL="852488" lvl="3" indent="-342900"/>
+            <a:r>
+              <a:rPr lang="en-US" dirty="0" smtClean="0"/>
+              <a:t>Fault tolerance</a:t>
+            </a:r>
+          </a:p>
+          <a:p>
+            <a:pPr marL="852488" lvl="3" indent="-342900"/>
+            <a:r>
+              <a:rPr lang="en-US" dirty="0" smtClean="0"/>
+              <a:t>Consistency </a:t>
+            </a:r>
+          </a:p>
+          <a:p>
+            <a:pPr marL="1138238" lvl="4" indent="-342900"/>
+            <a:r>
+              <a:rPr lang="en-US" dirty="0" smtClean="0"/>
+              <a:t>Eventual consistency</a:t>
+            </a:r>
+          </a:p>
+          <a:p>
+            <a:pPr marL="1138238" lvl="4" indent="-342900"/>
+            <a:r>
+              <a:rPr lang="en-US" dirty="0" smtClean="0"/>
+              <a:t>Strong consistency</a:t>
             </a:r>
           </a:p>
           <a:p>
@@ -2179,7 +2379,14 @@
             </a:pPr>
             <a:r>
               <a:rPr lang="en-US" dirty="0" smtClean="0"/>
-              <a:t>Time synchronization and event ordering</a:t>
+              <a:t>Scalability</a:t>
+            </a:r>
+          </a:p>
+          <a:p>
+            <a:pPr marL="852488" lvl="3" indent="-342900"/>
+            <a:r>
+              <a:rPr lang="en-US" dirty="0" smtClean="0"/>
+              <a:t>Increasing resources, supporting more users</a:t>
             </a:r>
           </a:p>
           <a:p>
@@ -2189,7 +2396,14 @@
             </a:pPr>
             <a:r>
               <a:rPr lang="en-US" dirty="0" smtClean="0"/>
-              <a:t>Coordination and coming to consensus</a:t>
+              <a:t>Manageability</a:t>
+            </a:r>
+          </a:p>
+          <a:p>
+            <a:pPr marL="852488" lvl="3" indent="-342900"/>
+            <a:r>
+              <a:rPr lang="en-US" dirty="0" smtClean="0"/>
+              <a:t>System updates, failures</a:t>
             </a:r>
           </a:p>
           <a:p>
@@ -2199,26 +2413,1967 @@
             </a:pPr>
             <a:r>
               <a:rPr lang="en-US" dirty="0" smtClean="0"/>
-              <a:t>Replication</a:t>
-            </a:r>
+              <a:t>Cost</a:t>
+            </a:r>
+            <a:endParaRPr lang="en-US" dirty="0"/>
+          </a:p>
+          <a:p>
+            <a:endParaRPr lang="en-US" dirty="0" smtClean="0"/>
           </a:p>
           <a:p>
             <a:pPr marL="342900" indent="-342900">
               <a:buFont typeface="Arial"/>
               <a:buChar char="•"/>
             </a:pPr>
-            <a:r>
-              <a:rPr lang="en-US" dirty="0" smtClean="0"/>
-              <a:t>Transactions</a:t>
-            </a:r>
-            <a:endParaRPr lang="en-US" dirty="0"/>
+            <a:endParaRPr lang="en-US" dirty="0" smtClean="0"/>
           </a:p>
         </p:txBody>
       </p:sp>
     </p:spTree>
     <p:extLst>
       <p:ext uri="{BB962C8B-B14F-4D97-AF65-F5344CB8AC3E}">
-        <p14:creationId xmlns:p14="http://schemas.microsoft.com/office/powerpoint/2010/main" val="3787397828"/>
+        <p14:creationId xmlns:p14="http://schemas.microsoft.com/office/powerpoint/2010/main" val="1237607566"/>
+      </p:ext>
+    </p:extLst>
+  </p:cSld>
+  <p:clrMapOvr>
+    <a:masterClrMapping/>
+  </p:clrMapOvr>
+</p:sld>
+</file>
+
+<file path=ppt/slides/slide17.xml><?xml version="1.0" encoding="utf-8"?>
+<p:sld xmlns:a="http://schemas.openxmlformats.org/drawingml/2006/main" xmlns:r="http://schemas.openxmlformats.org/officeDocument/2006/relationships" xmlns:p="http://schemas.openxmlformats.org/presentationml/2006/main">
+  <p:cSld>
+    <p:spTree>
+      <p:nvGrpSpPr>
+        <p:cNvPr id="1" name=""/>
+        <p:cNvGrpSpPr/>
+        <p:nvPr/>
+      </p:nvGrpSpPr>
+      <p:grpSpPr>
+        <a:xfrm>
+          <a:off x="0" y="0"/>
+          <a:ext cx="0" cy="0"/>
+          <a:chOff x="0" y="0"/>
+          <a:chExt cx="0" cy="0"/>
+        </a:xfrm>
+      </p:grpSpPr>
+      <p:sp>
+        <p:nvSpPr>
+          <p:cNvPr id="4" name="Title 3"/>
+          <p:cNvSpPr>
+            <a:spLocks noGrp="1"/>
+          </p:cNvSpPr>
+          <p:nvPr>
+            <p:ph type="title"/>
+          </p:nvPr>
+        </p:nvSpPr>
+        <p:spPr/>
+        <p:txBody>
+          <a:bodyPr/>
+          <a:lstStyle/>
+          <a:p>
+            <a:r>
+              <a:rPr lang="en-US" dirty="0" smtClean="0"/>
+              <a:t>CAP theorem – Pick two</a:t>
+            </a:r>
+            <a:endParaRPr lang="en-US" dirty="0"/>
+          </a:p>
+        </p:txBody>
+      </p:sp>
+      <p:sp>
+        <p:nvSpPr>
+          <p:cNvPr id="5" name="Text Placeholder 4"/>
+          <p:cNvSpPr>
+            <a:spLocks noGrp="1"/>
+          </p:cNvSpPr>
+          <p:nvPr>
+            <p:ph type="body" sz="quarter" idx="10"/>
+          </p:nvPr>
+        </p:nvSpPr>
+        <p:spPr/>
+        <p:txBody>
+          <a:bodyPr/>
+          <a:lstStyle/>
+          <a:p>
+            <a:pPr marL="342900" indent="-342900">
+              <a:buFont typeface="Arial"/>
+              <a:buChar char="•"/>
+            </a:pPr>
+            <a:r>
+              <a:rPr lang="en-US" dirty="0" smtClean="0"/>
+              <a:t>Consistency</a:t>
+            </a:r>
+          </a:p>
+          <a:p>
+            <a:pPr marL="852488" lvl="3" indent="-342900"/>
+            <a:r>
+              <a:rPr lang="en-US" dirty="0" smtClean="0"/>
+              <a:t>All nodes see the same data at the same time</a:t>
+            </a:r>
+          </a:p>
+          <a:p>
+            <a:pPr marL="342900" indent="-342900">
+              <a:buFont typeface="Arial"/>
+              <a:buChar char="•"/>
+            </a:pPr>
+            <a:r>
+              <a:rPr lang="en-US" dirty="0" smtClean="0"/>
+              <a:t>Availability</a:t>
+            </a:r>
+          </a:p>
+          <a:p>
+            <a:pPr marL="852488" lvl="3" indent="-342900"/>
+            <a:r>
+              <a:rPr lang="en-US" dirty="0" smtClean="0"/>
+              <a:t>A guarantee that every request receives a response about whether it was successful or failed</a:t>
+            </a:r>
+          </a:p>
+          <a:p>
+            <a:pPr marL="342900" indent="-342900">
+              <a:buFont typeface="Arial"/>
+              <a:buChar char="•"/>
+            </a:pPr>
+            <a:r>
+              <a:rPr lang="en-US" dirty="0" smtClean="0"/>
+              <a:t>Partition tolerance</a:t>
+            </a:r>
+          </a:p>
+          <a:p>
+            <a:pPr marL="852488" lvl="3" indent="-342900"/>
+            <a:r>
+              <a:rPr lang="en-US" dirty="0" smtClean="0"/>
+              <a:t>The system continues to operate despite arbitrary message loss or failure of part of the system</a:t>
+            </a:r>
+          </a:p>
+          <a:p>
+            <a:pPr marL="342900" indent="-342900">
+              <a:buFont typeface="Arial"/>
+              <a:buChar char="•"/>
+            </a:pPr>
+            <a:endParaRPr lang="en-US" dirty="0"/>
+          </a:p>
+        </p:txBody>
+      </p:sp>
+    </p:spTree>
+    <p:extLst>
+      <p:ext uri="{BB962C8B-B14F-4D97-AF65-F5344CB8AC3E}">
+        <p14:creationId xmlns:p14="http://schemas.microsoft.com/office/powerpoint/2010/main" val="398895933"/>
+      </p:ext>
+    </p:extLst>
+  </p:cSld>
+  <p:clrMapOvr>
+    <a:masterClrMapping/>
+  </p:clrMapOvr>
+</p:sld>
+</file>
+
+<file path=ppt/slides/slide18.xml><?xml version="1.0" encoding="utf-8"?>
+<p:sld xmlns:a="http://schemas.openxmlformats.org/drawingml/2006/main" xmlns:r="http://schemas.openxmlformats.org/officeDocument/2006/relationships" xmlns:p="http://schemas.openxmlformats.org/presentationml/2006/main">
+  <p:cSld>
+    <p:spTree>
+      <p:nvGrpSpPr>
+        <p:cNvPr id="1" name=""/>
+        <p:cNvGrpSpPr/>
+        <p:nvPr/>
+      </p:nvGrpSpPr>
+      <p:grpSpPr>
+        <a:xfrm>
+          <a:off x="0" y="0"/>
+          <a:ext cx="0" cy="0"/>
+          <a:chOff x="0" y="0"/>
+          <a:chExt cx="0" cy="0"/>
+        </a:xfrm>
+      </p:grpSpPr>
+      <p:sp>
+        <p:nvSpPr>
+          <p:cNvPr id="2" name="Title 1"/>
+          <p:cNvSpPr>
+            <a:spLocks noGrp="1"/>
+          </p:cNvSpPr>
+          <p:nvPr>
+            <p:ph type="title"/>
+          </p:nvPr>
+        </p:nvSpPr>
+        <p:spPr/>
+        <p:txBody>
+          <a:bodyPr/>
+          <a:lstStyle/>
+          <a:p>
+            <a:r>
+              <a:rPr lang="en-US" dirty="0" smtClean="0"/>
+              <a:t>Pieces of the puzzle</a:t>
+            </a:r>
+            <a:endParaRPr lang="en-US" dirty="0"/>
+          </a:p>
+        </p:txBody>
+      </p:sp>
+      <p:sp>
+        <p:nvSpPr>
+          <p:cNvPr id="4" name="Rectangle 3"/>
+          <p:cNvSpPr/>
+          <p:nvPr/>
+        </p:nvSpPr>
+        <p:spPr>
+          <a:xfrm>
+            <a:off x="437913" y="2200765"/>
+            <a:ext cx="1291843" cy="448912"/>
+          </a:xfrm>
+          <a:prstGeom prst="rect">
+            <a:avLst/>
+          </a:prstGeom>
+          <a:solidFill>
+            <a:schemeClr val="tx2"/>
+          </a:solidFill>
+          <a:ln>
+            <a:noFill/>
+          </a:ln>
+          <a:effectLst/>
+        </p:spPr>
+        <p:style>
+          <a:lnRef idx="1">
+            <a:schemeClr val="accent1"/>
+          </a:lnRef>
+          <a:fillRef idx="3">
+            <a:schemeClr val="accent1"/>
+          </a:fillRef>
+          <a:effectRef idx="2">
+            <a:schemeClr val="accent1"/>
+          </a:effectRef>
+          <a:fontRef idx="minor">
+            <a:schemeClr val="lt1"/>
+          </a:fontRef>
+        </p:style>
+        <p:txBody>
+          <a:bodyPr rtlCol="0" anchor="ctr"/>
+          <a:lstStyle/>
+          <a:p>
+            <a:pPr algn="ctr"/>
+            <a:r>
+              <a:rPr lang="en-US" dirty="0" smtClean="0"/>
+              <a:t>Client</a:t>
+            </a:r>
+            <a:endParaRPr lang="en-US" dirty="0"/>
+          </a:p>
+        </p:txBody>
+      </p:sp>
+      <p:sp>
+        <p:nvSpPr>
+          <p:cNvPr id="5" name="Rectangle 4"/>
+          <p:cNvSpPr/>
+          <p:nvPr/>
+        </p:nvSpPr>
+        <p:spPr>
+          <a:xfrm>
+            <a:off x="437913" y="2551136"/>
+            <a:ext cx="1291843" cy="448912"/>
+          </a:xfrm>
+          <a:prstGeom prst="rect">
+            <a:avLst/>
+          </a:prstGeom>
+          <a:solidFill>
+            <a:schemeClr val="tx2"/>
+          </a:solidFill>
+          <a:ln>
+            <a:noFill/>
+          </a:ln>
+          <a:effectLst/>
+        </p:spPr>
+        <p:style>
+          <a:lnRef idx="1">
+            <a:schemeClr val="accent1"/>
+          </a:lnRef>
+          <a:fillRef idx="3">
+            <a:schemeClr val="accent1"/>
+          </a:fillRef>
+          <a:effectRef idx="2">
+            <a:schemeClr val="accent1"/>
+          </a:effectRef>
+          <a:fontRef idx="minor">
+            <a:schemeClr val="lt1"/>
+          </a:fontRef>
+        </p:style>
+        <p:txBody>
+          <a:bodyPr rtlCol="0" anchor="ctr"/>
+          <a:lstStyle/>
+          <a:p>
+            <a:pPr algn="ctr"/>
+            <a:r>
+              <a:rPr lang="en-US" dirty="0" smtClean="0"/>
+              <a:t>Client</a:t>
+            </a:r>
+            <a:endParaRPr lang="en-US" dirty="0"/>
+          </a:p>
+        </p:txBody>
+      </p:sp>
+      <p:sp>
+        <p:nvSpPr>
+          <p:cNvPr id="6" name="Rectangle 5"/>
+          <p:cNvSpPr/>
+          <p:nvPr/>
+        </p:nvSpPr>
+        <p:spPr>
+          <a:xfrm>
+            <a:off x="437913" y="2874133"/>
+            <a:ext cx="1291843" cy="448912"/>
+          </a:xfrm>
+          <a:prstGeom prst="rect">
+            <a:avLst/>
+          </a:prstGeom>
+          <a:solidFill>
+            <a:schemeClr val="tx2"/>
+          </a:solidFill>
+          <a:ln>
+            <a:noFill/>
+          </a:ln>
+          <a:effectLst/>
+        </p:spPr>
+        <p:style>
+          <a:lnRef idx="1">
+            <a:schemeClr val="accent1"/>
+          </a:lnRef>
+          <a:fillRef idx="3">
+            <a:schemeClr val="accent1"/>
+          </a:fillRef>
+          <a:effectRef idx="2">
+            <a:schemeClr val="accent1"/>
+          </a:effectRef>
+          <a:fontRef idx="minor">
+            <a:schemeClr val="lt1"/>
+          </a:fontRef>
+        </p:style>
+        <p:txBody>
+          <a:bodyPr rtlCol="0" anchor="ctr"/>
+          <a:lstStyle/>
+          <a:p>
+            <a:pPr algn="ctr"/>
+            <a:r>
+              <a:rPr lang="en-US" dirty="0" smtClean="0"/>
+              <a:t>Client</a:t>
+            </a:r>
+            <a:endParaRPr lang="en-US" dirty="0"/>
+          </a:p>
+        </p:txBody>
+      </p:sp>
+      <p:sp>
+        <p:nvSpPr>
+          <p:cNvPr id="7" name="Rectangle 6"/>
+          <p:cNvSpPr/>
+          <p:nvPr/>
+        </p:nvSpPr>
+        <p:spPr>
+          <a:xfrm>
+            <a:off x="437913" y="3728160"/>
+            <a:ext cx="1291843" cy="448912"/>
+          </a:xfrm>
+          <a:prstGeom prst="rect">
+            <a:avLst/>
+          </a:prstGeom>
+          <a:solidFill>
+            <a:schemeClr val="tx2"/>
+          </a:solidFill>
+          <a:ln>
+            <a:noFill/>
+          </a:ln>
+          <a:effectLst/>
+        </p:spPr>
+        <p:style>
+          <a:lnRef idx="1">
+            <a:schemeClr val="accent1"/>
+          </a:lnRef>
+          <a:fillRef idx="3">
+            <a:schemeClr val="accent1"/>
+          </a:fillRef>
+          <a:effectRef idx="2">
+            <a:schemeClr val="accent1"/>
+          </a:effectRef>
+          <a:fontRef idx="minor">
+            <a:schemeClr val="lt1"/>
+          </a:fontRef>
+        </p:style>
+        <p:txBody>
+          <a:bodyPr rtlCol="0" anchor="ctr"/>
+          <a:lstStyle/>
+          <a:p>
+            <a:pPr algn="ctr"/>
+            <a:r>
+              <a:rPr lang="en-US" dirty="0" smtClean="0"/>
+              <a:t>Client</a:t>
+            </a:r>
+            <a:endParaRPr lang="en-US" dirty="0"/>
+          </a:p>
+        </p:txBody>
+      </p:sp>
+      <p:sp>
+        <p:nvSpPr>
+          <p:cNvPr id="8" name="Rectangle 7"/>
+          <p:cNvSpPr/>
+          <p:nvPr/>
+        </p:nvSpPr>
+        <p:spPr>
+          <a:xfrm>
+            <a:off x="437913" y="3279248"/>
+            <a:ext cx="1291843" cy="448912"/>
+          </a:xfrm>
+          <a:prstGeom prst="rect">
+            <a:avLst/>
+          </a:prstGeom>
+          <a:solidFill>
+            <a:schemeClr val="tx2"/>
+          </a:solidFill>
+          <a:ln>
+            <a:noFill/>
+          </a:ln>
+          <a:effectLst/>
+        </p:spPr>
+        <p:style>
+          <a:lnRef idx="1">
+            <a:schemeClr val="accent1"/>
+          </a:lnRef>
+          <a:fillRef idx="3">
+            <a:schemeClr val="accent1"/>
+          </a:fillRef>
+          <a:effectRef idx="2">
+            <a:schemeClr val="accent1"/>
+          </a:effectRef>
+          <a:fontRef idx="minor">
+            <a:schemeClr val="lt1"/>
+          </a:fontRef>
+        </p:style>
+        <p:txBody>
+          <a:bodyPr rtlCol="0" anchor="ctr"/>
+          <a:lstStyle/>
+          <a:p>
+            <a:pPr algn="ctr"/>
+            <a:r>
+              <a:rPr lang="en-US" dirty="0" smtClean="0"/>
+              <a:t>Client</a:t>
+            </a:r>
+            <a:endParaRPr lang="en-US" dirty="0"/>
+          </a:p>
+        </p:txBody>
+      </p:sp>
+      <p:sp>
+        <p:nvSpPr>
+          <p:cNvPr id="9" name="Rectangle 8"/>
+          <p:cNvSpPr/>
+          <p:nvPr/>
+        </p:nvSpPr>
+        <p:spPr>
+          <a:xfrm>
+            <a:off x="2364729" y="2797489"/>
+            <a:ext cx="1839235" cy="854027"/>
+          </a:xfrm>
+          <a:prstGeom prst="rect">
+            <a:avLst/>
+          </a:prstGeom>
+          <a:solidFill>
+            <a:schemeClr val="tx2"/>
+          </a:solidFill>
+          <a:ln>
+            <a:noFill/>
+          </a:ln>
+          <a:effectLst/>
+        </p:spPr>
+        <p:style>
+          <a:lnRef idx="1">
+            <a:schemeClr val="accent1"/>
+          </a:lnRef>
+          <a:fillRef idx="3">
+            <a:schemeClr val="accent1"/>
+          </a:fillRef>
+          <a:effectRef idx="2">
+            <a:schemeClr val="accent1"/>
+          </a:effectRef>
+          <a:fontRef idx="minor">
+            <a:schemeClr val="lt1"/>
+          </a:fontRef>
+        </p:style>
+        <p:txBody>
+          <a:bodyPr rtlCol="0" anchor="ctr"/>
+          <a:lstStyle/>
+          <a:p>
+            <a:pPr algn="ctr"/>
+            <a:r>
+              <a:rPr lang="en-US" dirty="0" smtClean="0"/>
+              <a:t>Load balancing</a:t>
+            </a:r>
+            <a:endParaRPr lang="en-US" dirty="0"/>
+          </a:p>
+        </p:txBody>
+      </p:sp>
+      <p:sp>
+        <p:nvSpPr>
+          <p:cNvPr id="11" name="Rectangle 10"/>
+          <p:cNvSpPr/>
+          <p:nvPr/>
+        </p:nvSpPr>
+        <p:spPr>
+          <a:xfrm>
+            <a:off x="5111763" y="1795650"/>
+            <a:ext cx="1839235" cy="854027"/>
+          </a:xfrm>
+          <a:prstGeom prst="rect">
+            <a:avLst/>
+          </a:prstGeom>
+          <a:solidFill>
+            <a:schemeClr val="tx2"/>
+          </a:solidFill>
+          <a:ln>
+            <a:noFill/>
+          </a:ln>
+          <a:effectLst/>
+        </p:spPr>
+        <p:style>
+          <a:lnRef idx="1">
+            <a:schemeClr val="accent1"/>
+          </a:lnRef>
+          <a:fillRef idx="3">
+            <a:schemeClr val="accent1"/>
+          </a:fillRef>
+          <a:effectRef idx="2">
+            <a:schemeClr val="accent1"/>
+          </a:effectRef>
+          <a:fontRef idx="minor">
+            <a:schemeClr val="lt1"/>
+          </a:fontRef>
+        </p:style>
+        <p:txBody>
+          <a:bodyPr rtlCol="0" anchor="ctr"/>
+          <a:lstStyle/>
+          <a:p>
+            <a:pPr algn="ctr"/>
+            <a:r>
+              <a:rPr lang="en-US" dirty="0" smtClean="0"/>
+              <a:t>App</a:t>
+            </a:r>
+            <a:endParaRPr lang="en-US" dirty="0"/>
+          </a:p>
+          <a:p>
+            <a:pPr algn="ctr"/>
+            <a:r>
+              <a:rPr lang="en-US" dirty="0" smtClean="0"/>
+              <a:t>Server</a:t>
+            </a:r>
+          </a:p>
+        </p:txBody>
+      </p:sp>
+      <p:sp>
+        <p:nvSpPr>
+          <p:cNvPr id="12" name="Rectangle 11"/>
+          <p:cNvSpPr/>
+          <p:nvPr/>
+        </p:nvSpPr>
+        <p:spPr>
+          <a:xfrm>
+            <a:off x="5111763" y="2999162"/>
+            <a:ext cx="1839235" cy="854027"/>
+          </a:xfrm>
+          <a:prstGeom prst="rect">
+            <a:avLst/>
+          </a:prstGeom>
+          <a:solidFill>
+            <a:schemeClr val="tx2"/>
+          </a:solidFill>
+          <a:ln>
+            <a:noFill/>
+          </a:ln>
+          <a:effectLst/>
+        </p:spPr>
+        <p:style>
+          <a:lnRef idx="1">
+            <a:schemeClr val="accent1"/>
+          </a:lnRef>
+          <a:fillRef idx="3">
+            <a:schemeClr val="accent1"/>
+          </a:fillRef>
+          <a:effectRef idx="2">
+            <a:schemeClr val="accent1"/>
+          </a:effectRef>
+          <a:fontRef idx="minor">
+            <a:schemeClr val="lt1"/>
+          </a:fontRef>
+        </p:style>
+        <p:txBody>
+          <a:bodyPr rtlCol="0" anchor="ctr"/>
+          <a:lstStyle/>
+          <a:p>
+            <a:pPr algn="ctr"/>
+            <a:r>
+              <a:rPr lang="en-US" dirty="0" smtClean="0"/>
+              <a:t>App</a:t>
+            </a:r>
+            <a:endParaRPr lang="en-US" dirty="0"/>
+          </a:p>
+          <a:p>
+            <a:pPr algn="ctr"/>
+            <a:r>
+              <a:rPr lang="en-US" dirty="0" smtClean="0"/>
+              <a:t>Server</a:t>
+            </a:r>
+          </a:p>
+        </p:txBody>
+      </p:sp>
+      <p:sp>
+        <p:nvSpPr>
+          <p:cNvPr id="13" name="Rectangle 12"/>
+          <p:cNvSpPr/>
+          <p:nvPr/>
+        </p:nvSpPr>
+        <p:spPr>
+          <a:xfrm>
+            <a:off x="4673851" y="4251945"/>
+            <a:ext cx="2660321" cy="1266392"/>
+          </a:xfrm>
+          <a:prstGeom prst="rect">
+            <a:avLst/>
+          </a:prstGeom>
+          <a:solidFill>
+            <a:schemeClr val="tx2"/>
+          </a:solidFill>
+          <a:ln>
+            <a:noFill/>
+          </a:ln>
+          <a:effectLst/>
+        </p:spPr>
+        <p:style>
+          <a:lnRef idx="1">
+            <a:schemeClr val="accent1"/>
+          </a:lnRef>
+          <a:fillRef idx="3">
+            <a:schemeClr val="accent1"/>
+          </a:fillRef>
+          <a:effectRef idx="2">
+            <a:schemeClr val="accent1"/>
+          </a:effectRef>
+          <a:fontRef idx="minor">
+            <a:schemeClr val="lt1"/>
+          </a:fontRef>
+        </p:style>
+        <p:txBody>
+          <a:bodyPr rtlCol="0" anchor="ctr"/>
+          <a:lstStyle/>
+          <a:p>
+            <a:pPr algn="ctr"/>
+            <a:r>
+              <a:rPr lang="en-US" dirty="0" smtClean="0"/>
+              <a:t>App</a:t>
+            </a:r>
+            <a:endParaRPr lang="en-US" dirty="0"/>
+          </a:p>
+          <a:p>
+            <a:pPr algn="ctr"/>
+            <a:r>
+              <a:rPr lang="en-US" dirty="0" smtClean="0"/>
+              <a:t>Server</a:t>
+            </a:r>
+          </a:p>
+        </p:txBody>
+      </p:sp>
+      <p:sp>
+        <p:nvSpPr>
+          <p:cNvPr id="14" name="Rectangle 13"/>
+          <p:cNvSpPr/>
+          <p:nvPr/>
+        </p:nvSpPr>
+        <p:spPr>
+          <a:xfrm>
+            <a:off x="6118964" y="4251945"/>
+            <a:ext cx="1215208" cy="361319"/>
+          </a:xfrm>
+          <a:prstGeom prst="rect">
+            <a:avLst/>
+          </a:prstGeom>
+          <a:solidFill>
+            <a:schemeClr val="accent1"/>
+          </a:solidFill>
+          <a:ln>
+            <a:noFill/>
+          </a:ln>
+          <a:effectLst/>
+        </p:spPr>
+        <p:style>
+          <a:lnRef idx="1">
+            <a:schemeClr val="accent1"/>
+          </a:lnRef>
+          <a:fillRef idx="3">
+            <a:schemeClr val="accent1"/>
+          </a:fillRef>
+          <a:effectRef idx="2">
+            <a:schemeClr val="accent1"/>
+          </a:effectRef>
+          <a:fontRef idx="minor">
+            <a:schemeClr val="lt1"/>
+          </a:fontRef>
+        </p:style>
+        <p:txBody>
+          <a:bodyPr rtlCol="0" anchor="ctr"/>
+          <a:lstStyle/>
+          <a:p>
+            <a:pPr algn="ctr"/>
+            <a:r>
+              <a:rPr lang="en-US" dirty="0" smtClean="0"/>
+              <a:t>Cache</a:t>
+            </a:r>
+          </a:p>
+        </p:txBody>
+      </p:sp>
+      <p:sp>
+        <p:nvSpPr>
+          <p:cNvPr id="15" name="Magnetic Disk 14"/>
+          <p:cNvSpPr/>
+          <p:nvPr/>
+        </p:nvSpPr>
+        <p:spPr>
+          <a:xfrm>
+            <a:off x="12239668" y="1650574"/>
+            <a:ext cx="1116678" cy="1100382"/>
+          </a:xfrm>
+          <a:prstGeom prst="flowChartMagneticDisk">
+            <a:avLst/>
+          </a:prstGeom>
+          <a:solidFill>
+            <a:schemeClr val="tx2"/>
+          </a:solidFill>
+          <a:ln>
+            <a:noFill/>
+          </a:ln>
+          <a:effectLst/>
+        </p:spPr>
+        <p:style>
+          <a:lnRef idx="1">
+            <a:schemeClr val="accent1"/>
+          </a:lnRef>
+          <a:fillRef idx="3">
+            <a:schemeClr val="accent1"/>
+          </a:fillRef>
+          <a:effectRef idx="2">
+            <a:schemeClr val="accent1"/>
+          </a:effectRef>
+          <a:fontRef idx="minor">
+            <a:schemeClr val="lt1"/>
+          </a:fontRef>
+        </p:style>
+        <p:txBody>
+          <a:bodyPr rtlCol="0" anchor="ctr"/>
+          <a:lstStyle/>
+          <a:p>
+            <a:pPr algn="ctr"/>
+            <a:r>
+              <a:rPr lang="en-US" dirty="0" smtClean="0"/>
+              <a:t>Data</a:t>
+            </a:r>
+          </a:p>
+        </p:txBody>
+      </p:sp>
+      <p:sp>
+        <p:nvSpPr>
+          <p:cNvPr id="16" name="Magnetic Disk 15"/>
+          <p:cNvSpPr/>
+          <p:nvPr/>
+        </p:nvSpPr>
+        <p:spPr>
+          <a:xfrm>
+            <a:off x="12239668" y="2627777"/>
+            <a:ext cx="1116678" cy="1100382"/>
+          </a:xfrm>
+          <a:prstGeom prst="flowChartMagneticDisk">
+            <a:avLst/>
+          </a:prstGeom>
+          <a:solidFill>
+            <a:schemeClr val="tx2"/>
+          </a:solidFill>
+          <a:ln>
+            <a:noFill/>
+          </a:ln>
+          <a:effectLst/>
+        </p:spPr>
+        <p:style>
+          <a:lnRef idx="1">
+            <a:schemeClr val="accent1"/>
+          </a:lnRef>
+          <a:fillRef idx="3">
+            <a:schemeClr val="accent1"/>
+          </a:fillRef>
+          <a:effectRef idx="2">
+            <a:schemeClr val="accent1"/>
+          </a:effectRef>
+          <a:fontRef idx="minor">
+            <a:schemeClr val="lt1"/>
+          </a:fontRef>
+        </p:style>
+        <p:txBody>
+          <a:bodyPr rtlCol="0" anchor="ctr"/>
+          <a:lstStyle/>
+          <a:p>
+            <a:pPr algn="ctr"/>
+            <a:r>
+              <a:rPr lang="en-US" dirty="0" smtClean="0"/>
+              <a:t>Data</a:t>
+            </a:r>
+          </a:p>
+        </p:txBody>
+      </p:sp>
+      <p:sp>
+        <p:nvSpPr>
+          <p:cNvPr id="17" name="Magnetic Disk 16"/>
+          <p:cNvSpPr/>
+          <p:nvPr/>
+        </p:nvSpPr>
+        <p:spPr>
+          <a:xfrm>
+            <a:off x="12271641" y="4560292"/>
+            <a:ext cx="1116678" cy="1100382"/>
+          </a:xfrm>
+          <a:prstGeom prst="flowChartMagneticDisk">
+            <a:avLst/>
+          </a:prstGeom>
+          <a:solidFill>
+            <a:schemeClr val="tx2"/>
+          </a:solidFill>
+          <a:ln>
+            <a:noFill/>
+          </a:ln>
+          <a:effectLst/>
+        </p:spPr>
+        <p:style>
+          <a:lnRef idx="1">
+            <a:schemeClr val="accent1"/>
+          </a:lnRef>
+          <a:fillRef idx="3">
+            <a:schemeClr val="accent1"/>
+          </a:fillRef>
+          <a:effectRef idx="2">
+            <a:schemeClr val="accent1"/>
+          </a:effectRef>
+          <a:fontRef idx="minor">
+            <a:schemeClr val="lt1"/>
+          </a:fontRef>
+        </p:style>
+        <p:txBody>
+          <a:bodyPr rtlCol="0" anchor="ctr"/>
+          <a:lstStyle/>
+          <a:p>
+            <a:pPr algn="ctr"/>
+            <a:r>
+              <a:rPr lang="en-US" dirty="0" smtClean="0"/>
+              <a:t>Data</a:t>
+            </a:r>
+          </a:p>
+        </p:txBody>
+      </p:sp>
+      <p:sp>
+        <p:nvSpPr>
+          <p:cNvPr id="18" name="Magnetic Disk 17"/>
+          <p:cNvSpPr/>
+          <p:nvPr/>
+        </p:nvSpPr>
+        <p:spPr>
+          <a:xfrm>
+            <a:off x="12271641" y="3606833"/>
+            <a:ext cx="1116678" cy="1100382"/>
+          </a:xfrm>
+          <a:prstGeom prst="flowChartMagneticDisk">
+            <a:avLst/>
+          </a:prstGeom>
+          <a:solidFill>
+            <a:schemeClr val="tx2"/>
+          </a:solidFill>
+          <a:ln>
+            <a:noFill/>
+          </a:ln>
+          <a:effectLst/>
+        </p:spPr>
+        <p:style>
+          <a:lnRef idx="1">
+            <a:schemeClr val="accent1"/>
+          </a:lnRef>
+          <a:fillRef idx="3">
+            <a:schemeClr val="accent1"/>
+          </a:fillRef>
+          <a:effectRef idx="2">
+            <a:schemeClr val="accent1"/>
+          </a:effectRef>
+          <a:fontRef idx="minor">
+            <a:schemeClr val="lt1"/>
+          </a:fontRef>
+        </p:style>
+        <p:txBody>
+          <a:bodyPr rtlCol="0" anchor="ctr"/>
+          <a:lstStyle/>
+          <a:p>
+            <a:pPr algn="ctr"/>
+            <a:r>
+              <a:rPr lang="en-US" dirty="0" smtClean="0"/>
+              <a:t>Data</a:t>
+            </a:r>
+          </a:p>
+        </p:txBody>
+      </p:sp>
+      <p:sp>
+        <p:nvSpPr>
+          <p:cNvPr id="20" name="Rectangle 19"/>
+          <p:cNvSpPr/>
+          <p:nvPr/>
+        </p:nvSpPr>
+        <p:spPr>
+          <a:xfrm>
+            <a:off x="8459188" y="1223560"/>
+            <a:ext cx="1839235" cy="854027"/>
+          </a:xfrm>
+          <a:prstGeom prst="rect">
+            <a:avLst/>
+          </a:prstGeom>
+          <a:solidFill>
+            <a:schemeClr val="tx2"/>
+          </a:solidFill>
+          <a:ln>
+            <a:noFill/>
+          </a:ln>
+          <a:effectLst/>
+        </p:spPr>
+        <p:style>
+          <a:lnRef idx="1">
+            <a:schemeClr val="accent1"/>
+          </a:lnRef>
+          <a:fillRef idx="3">
+            <a:schemeClr val="accent1"/>
+          </a:fillRef>
+          <a:effectRef idx="2">
+            <a:schemeClr val="accent1"/>
+          </a:effectRef>
+          <a:fontRef idx="minor">
+            <a:schemeClr val="lt1"/>
+          </a:fontRef>
+        </p:style>
+        <p:txBody>
+          <a:bodyPr rtlCol="0" anchor="ctr"/>
+          <a:lstStyle/>
+          <a:p>
+            <a:pPr algn="ctr"/>
+            <a:r>
+              <a:rPr lang="en-US" dirty="0" smtClean="0"/>
+              <a:t>Services</a:t>
+            </a:r>
+          </a:p>
+        </p:txBody>
+      </p:sp>
+      <p:sp>
+        <p:nvSpPr>
+          <p:cNvPr id="21" name="Rectangle 20"/>
+          <p:cNvSpPr/>
+          <p:nvPr/>
+        </p:nvSpPr>
+        <p:spPr>
+          <a:xfrm>
+            <a:off x="8444760" y="2627777"/>
+            <a:ext cx="1839235" cy="854027"/>
+          </a:xfrm>
+          <a:prstGeom prst="rect">
+            <a:avLst/>
+          </a:prstGeom>
+          <a:solidFill>
+            <a:schemeClr val="tx2"/>
+          </a:solidFill>
+          <a:ln>
+            <a:noFill/>
+          </a:ln>
+          <a:effectLst/>
+        </p:spPr>
+        <p:style>
+          <a:lnRef idx="1">
+            <a:schemeClr val="accent1"/>
+          </a:lnRef>
+          <a:fillRef idx="3">
+            <a:schemeClr val="accent1"/>
+          </a:fillRef>
+          <a:effectRef idx="2">
+            <a:schemeClr val="accent1"/>
+          </a:effectRef>
+          <a:fontRef idx="minor">
+            <a:schemeClr val="lt1"/>
+          </a:fontRef>
+        </p:style>
+        <p:txBody>
+          <a:bodyPr rtlCol="0" anchor="ctr"/>
+          <a:lstStyle/>
+          <a:p>
+            <a:pPr algn="ctr"/>
+            <a:r>
+              <a:rPr lang="en-US" dirty="0" smtClean="0"/>
+              <a:t>Services</a:t>
+            </a:r>
+          </a:p>
+        </p:txBody>
+      </p:sp>
+      <p:sp>
+        <p:nvSpPr>
+          <p:cNvPr id="22" name="Rectangle 21"/>
+          <p:cNvSpPr/>
+          <p:nvPr/>
+        </p:nvSpPr>
+        <p:spPr>
+          <a:xfrm>
+            <a:off x="8459188" y="4177072"/>
+            <a:ext cx="1839235" cy="854027"/>
+          </a:xfrm>
+          <a:prstGeom prst="rect">
+            <a:avLst/>
+          </a:prstGeom>
+          <a:solidFill>
+            <a:schemeClr val="tx2"/>
+          </a:solidFill>
+          <a:ln>
+            <a:noFill/>
+          </a:ln>
+          <a:effectLst/>
+        </p:spPr>
+        <p:style>
+          <a:lnRef idx="1">
+            <a:schemeClr val="accent1"/>
+          </a:lnRef>
+          <a:fillRef idx="3">
+            <a:schemeClr val="accent1"/>
+          </a:fillRef>
+          <a:effectRef idx="2">
+            <a:schemeClr val="accent1"/>
+          </a:effectRef>
+          <a:fontRef idx="minor">
+            <a:schemeClr val="lt1"/>
+          </a:fontRef>
+        </p:style>
+        <p:txBody>
+          <a:bodyPr rtlCol="0" anchor="ctr"/>
+          <a:lstStyle/>
+          <a:p>
+            <a:pPr algn="ctr"/>
+            <a:r>
+              <a:rPr lang="en-US" dirty="0" smtClean="0"/>
+              <a:t>Services</a:t>
+            </a:r>
+          </a:p>
+        </p:txBody>
+      </p:sp>
+      <p:cxnSp>
+        <p:nvCxnSpPr>
+          <p:cNvPr id="25" name="Straight Arrow Connector 24"/>
+          <p:cNvCxnSpPr/>
+          <p:nvPr/>
+        </p:nvCxnSpPr>
+        <p:spPr>
+          <a:xfrm>
+            <a:off x="1729756" y="2277409"/>
+            <a:ext cx="634973" cy="596724"/>
+          </a:xfrm>
+          <a:prstGeom prst="straightConnector1">
+            <a:avLst/>
+          </a:prstGeom>
+          <a:ln w="6350">
+            <a:solidFill>
+              <a:schemeClr val="tx1"/>
+            </a:solidFill>
+            <a:tailEnd type="arrow"/>
+          </a:ln>
+          <a:effectLst/>
+        </p:spPr>
+        <p:style>
+          <a:lnRef idx="2">
+            <a:schemeClr val="accent1"/>
+          </a:lnRef>
+          <a:fillRef idx="0">
+            <a:schemeClr val="accent1"/>
+          </a:fillRef>
+          <a:effectRef idx="1">
+            <a:schemeClr val="accent1"/>
+          </a:effectRef>
+          <a:fontRef idx="minor">
+            <a:schemeClr val="tx1"/>
+          </a:fontRef>
+        </p:style>
+      </p:cxnSp>
+      <p:cxnSp>
+        <p:nvCxnSpPr>
+          <p:cNvPr id="27" name="Straight Arrow Connector 26"/>
+          <p:cNvCxnSpPr>
+            <a:stCxn id="5" idx="3"/>
+          </p:cNvCxnSpPr>
+          <p:nvPr/>
+        </p:nvCxnSpPr>
+        <p:spPr>
+          <a:xfrm>
+            <a:off x="1729756" y="2775592"/>
+            <a:ext cx="634973" cy="224456"/>
+          </a:xfrm>
+          <a:prstGeom prst="straightConnector1">
+            <a:avLst/>
+          </a:prstGeom>
+          <a:ln w="6350">
+            <a:solidFill>
+              <a:schemeClr val="tx1"/>
+            </a:solidFill>
+            <a:tailEnd type="arrow"/>
+          </a:ln>
+          <a:effectLst/>
+        </p:spPr>
+        <p:style>
+          <a:lnRef idx="2">
+            <a:schemeClr val="accent1"/>
+          </a:lnRef>
+          <a:fillRef idx="0">
+            <a:schemeClr val="accent1"/>
+          </a:fillRef>
+          <a:effectRef idx="1">
+            <a:schemeClr val="accent1"/>
+          </a:effectRef>
+          <a:fontRef idx="minor">
+            <a:schemeClr val="tx1"/>
+          </a:fontRef>
+        </p:style>
+      </p:cxnSp>
+      <p:cxnSp>
+        <p:nvCxnSpPr>
+          <p:cNvPr id="29" name="Straight Arrow Connector 28"/>
+          <p:cNvCxnSpPr>
+            <a:stCxn id="6" idx="3"/>
+          </p:cNvCxnSpPr>
+          <p:nvPr/>
+        </p:nvCxnSpPr>
+        <p:spPr>
+          <a:xfrm>
+            <a:off x="1729756" y="3098589"/>
+            <a:ext cx="634973" cy="1"/>
+          </a:xfrm>
+          <a:prstGeom prst="straightConnector1">
+            <a:avLst/>
+          </a:prstGeom>
+          <a:ln w="6350">
+            <a:solidFill>
+              <a:schemeClr val="tx1"/>
+            </a:solidFill>
+            <a:tailEnd type="arrow"/>
+          </a:ln>
+          <a:effectLst/>
+        </p:spPr>
+        <p:style>
+          <a:lnRef idx="2">
+            <a:schemeClr val="accent1"/>
+          </a:lnRef>
+          <a:fillRef idx="0">
+            <a:schemeClr val="accent1"/>
+          </a:fillRef>
+          <a:effectRef idx="1">
+            <a:schemeClr val="accent1"/>
+          </a:effectRef>
+          <a:fontRef idx="minor">
+            <a:schemeClr val="tx1"/>
+          </a:fontRef>
+        </p:style>
+      </p:cxnSp>
+      <p:cxnSp>
+        <p:nvCxnSpPr>
+          <p:cNvPr id="31" name="Straight Arrow Connector 30"/>
+          <p:cNvCxnSpPr>
+            <a:stCxn id="8" idx="3"/>
+            <a:endCxn id="9" idx="1"/>
+          </p:cNvCxnSpPr>
+          <p:nvPr/>
+        </p:nvCxnSpPr>
+        <p:spPr>
+          <a:xfrm flipV="1">
+            <a:off x="1729756" y="3224503"/>
+            <a:ext cx="634973" cy="279201"/>
+          </a:xfrm>
+          <a:prstGeom prst="straightConnector1">
+            <a:avLst/>
+          </a:prstGeom>
+          <a:ln w="6350">
+            <a:solidFill>
+              <a:schemeClr val="tx1"/>
+            </a:solidFill>
+            <a:tailEnd type="arrow"/>
+          </a:ln>
+          <a:effectLst/>
+        </p:spPr>
+        <p:style>
+          <a:lnRef idx="2">
+            <a:schemeClr val="accent1"/>
+          </a:lnRef>
+          <a:fillRef idx="0">
+            <a:schemeClr val="accent1"/>
+          </a:fillRef>
+          <a:effectRef idx="1">
+            <a:schemeClr val="accent1"/>
+          </a:effectRef>
+          <a:fontRef idx="minor">
+            <a:schemeClr val="tx1"/>
+          </a:fontRef>
+        </p:style>
+      </p:cxnSp>
+      <p:cxnSp>
+        <p:nvCxnSpPr>
+          <p:cNvPr id="34" name="Straight Arrow Connector 33"/>
+          <p:cNvCxnSpPr>
+            <a:stCxn id="7" idx="3"/>
+          </p:cNvCxnSpPr>
+          <p:nvPr/>
+        </p:nvCxnSpPr>
+        <p:spPr>
+          <a:xfrm flipV="1">
+            <a:off x="1729756" y="3481804"/>
+            <a:ext cx="634973" cy="470812"/>
+          </a:xfrm>
+          <a:prstGeom prst="straightConnector1">
+            <a:avLst/>
+          </a:prstGeom>
+          <a:ln w="6350">
+            <a:solidFill>
+              <a:schemeClr val="tx1"/>
+            </a:solidFill>
+            <a:tailEnd type="arrow"/>
+          </a:ln>
+          <a:effectLst/>
+        </p:spPr>
+        <p:style>
+          <a:lnRef idx="2">
+            <a:schemeClr val="accent1"/>
+          </a:lnRef>
+          <a:fillRef idx="0">
+            <a:schemeClr val="accent1"/>
+          </a:fillRef>
+          <a:effectRef idx="1">
+            <a:schemeClr val="accent1"/>
+          </a:effectRef>
+          <a:fontRef idx="minor">
+            <a:schemeClr val="tx1"/>
+          </a:fontRef>
+        </p:style>
+      </p:cxnSp>
+      <p:cxnSp>
+        <p:nvCxnSpPr>
+          <p:cNvPr id="36" name="Straight Arrow Connector 35"/>
+          <p:cNvCxnSpPr>
+            <a:stCxn id="9" idx="3"/>
+            <a:endCxn id="11" idx="1"/>
+          </p:cNvCxnSpPr>
+          <p:nvPr/>
+        </p:nvCxnSpPr>
+        <p:spPr>
+          <a:xfrm flipV="1">
+            <a:off x="4203964" y="2222664"/>
+            <a:ext cx="907799" cy="1001839"/>
+          </a:xfrm>
+          <a:prstGeom prst="straightConnector1">
+            <a:avLst/>
+          </a:prstGeom>
+          <a:ln w="6350">
+            <a:solidFill>
+              <a:schemeClr val="tx1"/>
+            </a:solidFill>
+            <a:tailEnd type="arrow"/>
+          </a:ln>
+          <a:effectLst/>
+        </p:spPr>
+        <p:style>
+          <a:lnRef idx="2">
+            <a:schemeClr val="accent1"/>
+          </a:lnRef>
+          <a:fillRef idx="0">
+            <a:schemeClr val="accent1"/>
+          </a:fillRef>
+          <a:effectRef idx="1">
+            <a:schemeClr val="accent1"/>
+          </a:effectRef>
+          <a:fontRef idx="minor">
+            <a:schemeClr val="tx1"/>
+          </a:fontRef>
+        </p:style>
+      </p:cxnSp>
+      <p:cxnSp>
+        <p:nvCxnSpPr>
+          <p:cNvPr id="38" name="Straight Arrow Connector 37"/>
+          <p:cNvCxnSpPr>
+            <a:stCxn id="9" idx="3"/>
+          </p:cNvCxnSpPr>
+          <p:nvPr/>
+        </p:nvCxnSpPr>
+        <p:spPr>
+          <a:xfrm>
+            <a:off x="4203964" y="3224503"/>
+            <a:ext cx="907799" cy="0"/>
+          </a:xfrm>
+          <a:prstGeom prst="straightConnector1">
+            <a:avLst/>
+          </a:prstGeom>
+          <a:ln w="6350">
+            <a:solidFill>
+              <a:schemeClr val="tx1"/>
+            </a:solidFill>
+            <a:tailEnd type="arrow"/>
+          </a:ln>
+          <a:effectLst/>
+        </p:spPr>
+        <p:style>
+          <a:lnRef idx="2">
+            <a:schemeClr val="accent1"/>
+          </a:lnRef>
+          <a:fillRef idx="0">
+            <a:schemeClr val="accent1"/>
+          </a:fillRef>
+          <a:effectRef idx="1">
+            <a:schemeClr val="accent1"/>
+          </a:effectRef>
+          <a:fontRef idx="minor">
+            <a:schemeClr val="tx1"/>
+          </a:fontRef>
+        </p:style>
+      </p:cxnSp>
+      <p:cxnSp>
+        <p:nvCxnSpPr>
+          <p:cNvPr id="40" name="Straight Arrow Connector 39"/>
+          <p:cNvCxnSpPr>
+            <a:stCxn id="9" idx="3"/>
+          </p:cNvCxnSpPr>
+          <p:nvPr/>
+        </p:nvCxnSpPr>
+        <p:spPr>
+          <a:xfrm>
+            <a:off x="4203964" y="3224503"/>
+            <a:ext cx="907799" cy="1027442"/>
+          </a:xfrm>
+          <a:prstGeom prst="straightConnector1">
+            <a:avLst/>
+          </a:prstGeom>
+          <a:ln w="6350">
+            <a:solidFill>
+              <a:schemeClr val="tx1"/>
+            </a:solidFill>
+            <a:tailEnd type="arrow"/>
+          </a:ln>
+          <a:effectLst/>
+        </p:spPr>
+        <p:style>
+          <a:lnRef idx="2">
+            <a:schemeClr val="accent1"/>
+          </a:lnRef>
+          <a:fillRef idx="0">
+            <a:schemeClr val="accent1"/>
+          </a:fillRef>
+          <a:effectRef idx="1">
+            <a:schemeClr val="accent1"/>
+          </a:effectRef>
+          <a:fontRef idx="minor">
+            <a:schemeClr val="tx1"/>
+          </a:fontRef>
+        </p:style>
+      </p:cxnSp>
+      <p:cxnSp>
+        <p:nvCxnSpPr>
+          <p:cNvPr id="42" name="Straight Arrow Connector 41"/>
+          <p:cNvCxnSpPr>
+            <a:stCxn id="11" idx="3"/>
+            <a:endCxn id="20" idx="1"/>
+          </p:cNvCxnSpPr>
+          <p:nvPr/>
+        </p:nvCxnSpPr>
+        <p:spPr>
+          <a:xfrm flipV="1">
+            <a:off x="6950998" y="1650574"/>
+            <a:ext cx="1508190" cy="572090"/>
+          </a:xfrm>
+          <a:prstGeom prst="straightConnector1">
+            <a:avLst/>
+          </a:prstGeom>
+          <a:ln w="6350">
+            <a:solidFill>
+              <a:schemeClr val="tx1"/>
+            </a:solidFill>
+            <a:headEnd type="arrow"/>
+            <a:tailEnd type="arrow"/>
+          </a:ln>
+          <a:effectLst/>
+        </p:spPr>
+        <p:style>
+          <a:lnRef idx="2">
+            <a:schemeClr val="accent1"/>
+          </a:lnRef>
+          <a:fillRef idx="0">
+            <a:schemeClr val="accent1"/>
+          </a:fillRef>
+          <a:effectRef idx="1">
+            <a:schemeClr val="accent1"/>
+          </a:effectRef>
+          <a:fontRef idx="minor">
+            <a:schemeClr val="tx1"/>
+          </a:fontRef>
+        </p:style>
+      </p:cxnSp>
+      <p:cxnSp>
+        <p:nvCxnSpPr>
+          <p:cNvPr id="44" name="Straight Arrow Connector 43"/>
+          <p:cNvCxnSpPr/>
+          <p:nvPr/>
+        </p:nvCxnSpPr>
+        <p:spPr>
+          <a:xfrm flipV="1">
+            <a:off x="6936570" y="2887816"/>
+            <a:ext cx="1508190" cy="572090"/>
+          </a:xfrm>
+          <a:prstGeom prst="straightConnector1">
+            <a:avLst/>
+          </a:prstGeom>
+          <a:ln w="6350">
+            <a:solidFill>
+              <a:schemeClr val="tx1"/>
+            </a:solidFill>
+            <a:headEnd type="arrow"/>
+            <a:tailEnd type="arrow"/>
+          </a:ln>
+          <a:effectLst/>
+        </p:spPr>
+        <p:style>
+          <a:lnRef idx="2">
+            <a:schemeClr val="accent1"/>
+          </a:lnRef>
+          <a:fillRef idx="0">
+            <a:schemeClr val="accent1"/>
+          </a:fillRef>
+          <a:effectRef idx="1">
+            <a:schemeClr val="accent1"/>
+          </a:effectRef>
+          <a:fontRef idx="minor">
+            <a:schemeClr val="tx1"/>
+          </a:fontRef>
+        </p:style>
+      </p:cxnSp>
+      <p:cxnSp>
+        <p:nvCxnSpPr>
+          <p:cNvPr id="45" name="Straight Arrow Connector 44"/>
+          <p:cNvCxnSpPr>
+            <a:stCxn id="11" idx="3"/>
+          </p:cNvCxnSpPr>
+          <p:nvPr/>
+        </p:nvCxnSpPr>
+        <p:spPr>
+          <a:xfrm>
+            <a:off x="6950998" y="2222664"/>
+            <a:ext cx="1493762" cy="665152"/>
+          </a:xfrm>
+          <a:prstGeom prst="straightConnector1">
+            <a:avLst/>
+          </a:prstGeom>
+          <a:ln w="6350">
+            <a:solidFill>
+              <a:schemeClr val="tx1"/>
+            </a:solidFill>
+            <a:headEnd type="arrow"/>
+            <a:tailEnd type="arrow"/>
+          </a:ln>
+          <a:effectLst/>
+        </p:spPr>
+        <p:style>
+          <a:lnRef idx="2">
+            <a:schemeClr val="accent1"/>
+          </a:lnRef>
+          <a:fillRef idx="0">
+            <a:schemeClr val="accent1"/>
+          </a:fillRef>
+          <a:effectRef idx="1">
+            <a:schemeClr val="accent1"/>
+          </a:effectRef>
+          <a:fontRef idx="minor">
+            <a:schemeClr val="tx1"/>
+          </a:fontRef>
+        </p:style>
+      </p:cxnSp>
+      <p:cxnSp>
+        <p:nvCxnSpPr>
+          <p:cNvPr id="48" name="Straight Arrow Connector 47"/>
+          <p:cNvCxnSpPr/>
+          <p:nvPr/>
+        </p:nvCxnSpPr>
+        <p:spPr>
+          <a:xfrm>
+            <a:off x="10298423" y="1522378"/>
+            <a:ext cx="1941245" cy="555209"/>
+          </a:xfrm>
+          <a:prstGeom prst="straightConnector1">
+            <a:avLst/>
+          </a:prstGeom>
+          <a:ln w="6350">
+            <a:solidFill>
+              <a:schemeClr val="tx1"/>
+            </a:solidFill>
+            <a:headEnd type="arrow"/>
+            <a:tailEnd type="arrow"/>
+          </a:ln>
+          <a:effectLst/>
+        </p:spPr>
+        <p:style>
+          <a:lnRef idx="2">
+            <a:schemeClr val="accent1"/>
+          </a:lnRef>
+          <a:fillRef idx="0">
+            <a:schemeClr val="accent1"/>
+          </a:fillRef>
+          <a:effectRef idx="1">
+            <a:schemeClr val="accent1"/>
+          </a:effectRef>
+          <a:fontRef idx="minor">
+            <a:schemeClr val="tx1"/>
+          </a:fontRef>
+        </p:style>
+      </p:cxnSp>
+      <p:cxnSp>
+        <p:nvCxnSpPr>
+          <p:cNvPr id="50" name="Straight Arrow Connector 49"/>
+          <p:cNvCxnSpPr>
+            <a:endCxn id="18" idx="2"/>
+          </p:cNvCxnSpPr>
+          <p:nvPr/>
+        </p:nvCxnSpPr>
+        <p:spPr>
+          <a:xfrm flipV="1">
+            <a:off x="10298423" y="4157024"/>
+            <a:ext cx="1973218" cy="523303"/>
+          </a:xfrm>
+          <a:prstGeom prst="straightConnector1">
+            <a:avLst/>
+          </a:prstGeom>
+          <a:ln w="6350">
+            <a:solidFill>
+              <a:schemeClr val="tx1"/>
+            </a:solidFill>
+            <a:headEnd type="arrow"/>
+            <a:tailEnd type="arrow"/>
+          </a:ln>
+          <a:effectLst/>
+        </p:spPr>
+        <p:style>
+          <a:lnRef idx="2">
+            <a:schemeClr val="accent1"/>
+          </a:lnRef>
+          <a:fillRef idx="0">
+            <a:schemeClr val="accent1"/>
+          </a:fillRef>
+          <a:effectRef idx="1">
+            <a:schemeClr val="accent1"/>
+          </a:effectRef>
+          <a:fontRef idx="minor">
+            <a:schemeClr val="tx1"/>
+          </a:fontRef>
+        </p:style>
+      </p:cxnSp>
+      <p:cxnSp>
+        <p:nvCxnSpPr>
+          <p:cNvPr id="52" name="Straight Arrow Connector 51"/>
+          <p:cNvCxnSpPr/>
+          <p:nvPr/>
+        </p:nvCxnSpPr>
+        <p:spPr>
+          <a:xfrm>
+            <a:off x="10283995" y="1518045"/>
+            <a:ext cx="1987646" cy="1761203"/>
+          </a:xfrm>
+          <a:prstGeom prst="straightConnector1">
+            <a:avLst/>
+          </a:prstGeom>
+          <a:ln w="6350">
+            <a:solidFill>
+              <a:schemeClr val="tx1"/>
+            </a:solidFill>
+            <a:headEnd type="arrow"/>
+            <a:tailEnd type="arrow"/>
+          </a:ln>
+          <a:effectLst/>
+        </p:spPr>
+        <p:style>
+          <a:lnRef idx="2">
+            <a:schemeClr val="accent1"/>
+          </a:lnRef>
+          <a:fillRef idx="0">
+            <a:schemeClr val="accent1"/>
+          </a:fillRef>
+          <a:effectRef idx="1">
+            <a:schemeClr val="accent1"/>
+          </a:effectRef>
+          <a:fontRef idx="minor">
+            <a:schemeClr val="tx1"/>
+          </a:fontRef>
+        </p:style>
+      </p:cxnSp>
+      <p:sp>
+        <p:nvSpPr>
+          <p:cNvPr id="55" name="Multidocument 54"/>
+          <p:cNvSpPr/>
+          <p:nvPr/>
+        </p:nvSpPr>
+        <p:spPr>
+          <a:xfrm>
+            <a:off x="8459188" y="5956299"/>
+            <a:ext cx="1503839" cy="875924"/>
+          </a:xfrm>
+          <a:prstGeom prst="flowChartMultidocument">
+            <a:avLst/>
+          </a:prstGeom>
+          <a:solidFill>
+            <a:schemeClr val="tx2"/>
+          </a:solidFill>
+          <a:ln>
+            <a:noFill/>
+          </a:ln>
+          <a:effectLst/>
+        </p:spPr>
+        <p:style>
+          <a:lnRef idx="1">
+            <a:schemeClr val="accent1"/>
+          </a:lnRef>
+          <a:fillRef idx="3">
+            <a:schemeClr val="accent1"/>
+          </a:fillRef>
+          <a:effectRef idx="2">
+            <a:schemeClr val="accent1"/>
+          </a:effectRef>
+          <a:fontRef idx="minor">
+            <a:schemeClr val="lt1"/>
+          </a:fontRef>
+        </p:style>
+        <p:txBody>
+          <a:bodyPr rtlCol="0" anchor="ctr"/>
+          <a:lstStyle/>
+          <a:p>
+            <a:pPr algn="ctr"/>
+            <a:r>
+              <a:rPr lang="en-US" dirty="0" smtClean="0"/>
+              <a:t>Queue</a:t>
+            </a:r>
+          </a:p>
+        </p:txBody>
+      </p:sp>
+      <p:cxnSp>
+        <p:nvCxnSpPr>
+          <p:cNvPr id="57" name="Straight Arrow Connector 56"/>
+          <p:cNvCxnSpPr/>
+          <p:nvPr/>
+        </p:nvCxnSpPr>
+        <p:spPr>
+          <a:xfrm>
+            <a:off x="7334172" y="5031099"/>
+            <a:ext cx="1325558" cy="925200"/>
+          </a:xfrm>
+          <a:prstGeom prst="straightConnector1">
+            <a:avLst/>
+          </a:prstGeom>
+          <a:ln w="6350">
+            <a:solidFill>
+              <a:schemeClr val="tx1"/>
+            </a:solidFill>
+            <a:tailEnd type="arrow"/>
+          </a:ln>
+          <a:effectLst/>
+        </p:spPr>
+        <p:style>
+          <a:lnRef idx="2">
+            <a:schemeClr val="accent1"/>
+          </a:lnRef>
+          <a:fillRef idx="0">
+            <a:schemeClr val="accent1"/>
+          </a:fillRef>
+          <a:effectRef idx="1">
+            <a:schemeClr val="accent1"/>
+          </a:effectRef>
+          <a:fontRef idx="minor">
+            <a:schemeClr val="tx1"/>
+          </a:fontRef>
+        </p:style>
+      </p:cxnSp>
+      <p:cxnSp>
+        <p:nvCxnSpPr>
+          <p:cNvPr id="59" name="Straight Arrow Connector 58"/>
+          <p:cNvCxnSpPr>
+            <a:stCxn id="22" idx="2"/>
+          </p:cNvCxnSpPr>
+          <p:nvPr/>
+        </p:nvCxnSpPr>
+        <p:spPr>
+          <a:xfrm>
+            <a:off x="9378806" y="5031099"/>
+            <a:ext cx="36324" cy="925200"/>
+          </a:xfrm>
+          <a:prstGeom prst="straightConnector1">
+            <a:avLst/>
+          </a:prstGeom>
+          <a:ln w="6350">
+            <a:solidFill>
+              <a:schemeClr val="tx1"/>
+            </a:solidFill>
+            <a:tailEnd type="arrow"/>
+          </a:ln>
+          <a:effectLst/>
+        </p:spPr>
+        <p:style>
+          <a:lnRef idx="2">
+            <a:schemeClr val="accent1"/>
+          </a:lnRef>
+          <a:fillRef idx="0">
+            <a:schemeClr val="accent1"/>
+          </a:fillRef>
+          <a:effectRef idx="1">
+            <a:schemeClr val="accent1"/>
+          </a:effectRef>
+          <a:fontRef idx="minor">
+            <a:schemeClr val="tx1"/>
+          </a:fontRef>
+        </p:style>
+      </p:cxnSp>
+      <p:cxnSp>
+        <p:nvCxnSpPr>
+          <p:cNvPr id="61" name="Straight Arrow Connector 60"/>
+          <p:cNvCxnSpPr>
+            <a:stCxn id="55" idx="3"/>
+          </p:cNvCxnSpPr>
+          <p:nvPr/>
+        </p:nvCxnSpPr>
+        <p:spPr>
+          <a:xfrm flipV="1">
+            <a:off x="9963027" y="4251945"/>
+            <a:ext cx="2308614" cy="2142316"/>
+          </a:xfrm>
+          <a:prstGeom prst="straightConnector1">
+            <a:avLst/>
+          </a:prstGeom>
+          <a:ln w="6350">
+            <a:solidFill>
+              <a:schemeClr val="tx1"/>
+            </a:solidFill>
+            <a:tailEnd type="arrow"/>
+          </a:ln>
+          <a:effectLst/>
+        </p:spPr>
+        <p:style>
+          <a:lnRef idx="2">
+            <a:schemeClr val="accent1"/>
+          </a:lnRef>
+          <a:fillRef idx="0">
+            <a:schemeClr val="accent1"/>
+          </a:fillRef>
+          <a:effectRef idx="1">
+            <a:schemeClr val="accent1"/>
+          </a:effectRef>
+          <a:fontRef idx="minor">
+            <a:schemeClr val="tx1"/>
+          </a:fontRef>
+        </p:style>
+      </p:cxnSp>
+      <p:cxnSp>
+        <p:nvCxnSpPr>
+          <p:cNvPr id="62" name="Straight Arrow Connector 61"/>
+          <p:cNvCxnSpPr>
+            <a:stCxn id="55" idx="3"/>
+            <a:endCxn id="17" idx="2"/>
+          </p:cNvCxnSpPr>
+          <p:nvPr/>
+        </p:nvCxnSpPr>
+        <p:spPr>
+          <a:xfrm flipV="1">
+            <a:off x="9963027" y="5110483"/>
+            <a:ext cx="2308614" cy="1283778"/>
+          </a:xfrm>
+          <a:prstGeom prst="straightConnector1">
+            <a:avLst/>
+          </a:prstGeom>
+          <a:ln w="6350">
+            <a:solidFill>
+              <a:schemeClr val="tx1"/>
+            </a:solidFill>
+            <a:tailEnd type="arrow"/>
+          </a:ln>
+          <a:effectLst/>
+        </p:spPr>
+        <p:style>
+          <a:lnRef idx="2">
+            <a:schemeClr val="accent1"/>
+          </a:lnRef>
+          <a:fillRef idx="0">
+            <a:schemeClr val="accent1"/>
+          </a:fillRef>
+          <a:effectRef idx="1">
+            <a:schemeClr val="accent1"/>
+          </a:effectRef>
+          <a:fontRef idx="minor">
+            <a:schemeClr val="tx1"/>
+          </a:fontRef>
+        </p:style>
+      </p:cxnSp>
+    </p:spTree>
+    <p:extLst>
+      <p:ext uri="{BB962C8B-B14F-4D97-AF65-F5344CB8AC3E}">
+        <p14:creationId xmlns:p14="http://schemas.microsoft.com/office/powerpoint/2010/main" val="2596062067"/>
+      </p:ext>
+    </p:extLst>
+  </p:cSld>
+  <p:clrMapOvr>
+    <a:masterClrMapping/>
+  </p:clrMapOvr>
+</p:sld>
+</file>
+
+<file path=ppt/slides/slide19.xml><?xml version="1.0" encoding="utf-8"?>
+<p:sld xmlns:a="http://schemas.openxmlformats.org/drawingml/2006/main" xmlns:r="http://schemas.openxmlformats.org/officeDocument/2006/relationships" xmlns:p="http://schemas.openxmlformats.org/presentationml/2006/main">
+  <p:cSld>
+    <p:spTree>
+      <p:nvGrpSpPr>
+        <p:cNvPr id="1" name=""/>
+        <p:cNvGrpSpPr/>
+        <p:nvPr/>
+      </p:nvGrpSpPr>
+      <p:grpSpPr>
+        <a:xfrm>
+          <a:off x="0" y="0"/>
+          <a:ext cx="0" cy="0"/>
+          <a:chOff x="0" y="0"/>
+          <a:chExt cx="0" cy="0"/>
+        </a:xfrm>
+      </p:grpSpPr>
+      <p:sp>
+        <p:nvSpPr>
+          <p:cNvPr id="4" name="Title 3"/>
+          <p:cNvSpPr>
+            <a:spLocks noGrp="1"/>
+          </p:cNvSpPr>
+          <p:nvPr>
+            <p:ph type="title"/>
+          </p:nvPr>
+        </p:nvSpPr>
+        <p:spPr/>
+        <p:txBody>
+          <a:bodyPr/>
+          <a:lstStyle/>
+          <a:p>
+            <a:r>
+              <a:rPr lang="en-US" dirty="0" smtClean="0"/>
+              <a:t>Design decisions</a:t>
+            </a:r>
+            <a:endParaRPr lang="en-US" dirty="0"/>
+          </a:p>
+        </p:txBody>
+      </p:sp>
+      <p:sp>
+        <p:nvSpPr>
+          <p:cNvPr id="5" name="Text Placeholder 4"/>
+          <p:cNvSpPr>
+            <a:spLocks noGrp="1"/>
+          </p:cNvSpPr>
+          <p:nvPr>
+            <p:ph type="body" sz="quarter" idx="10"/>
+          </p:nvPr>
+        </p:nvSpPr>
+        <p:spPr/>
+        <p:txBody>
+          <a:bodyPr/>
+          <a:lstStyle/>
+          <a:p>
+            <a:pPr marL="342900" indent="-342900">
+              <a:buFont typeface="Arial"/>
+              <a:buChar char="•"/>
+            </a:pPr>
+            <a:r>
+              <a:rPr lang="en-US" dirty="0"/>
+              <a:t>Load balancing </a:t>
+            </a:r>
+            <a:r>
+              <a:rPr lang="en-US" dirty="0" smtClean="0"/>
+              <a:t>algorithms</a:t>
+            </a:r>
+          </a:p>
+          <a:p>
+            <a:pPr marL="852488" lvl="3" indent="-342900"/>
+            <a:r>
+              <a:rPr lang="en-US" dirty="0" smtClean="0"/>
+              <a:t>DNS round robin</a:t>
+            </a:r>
+          </a:p>
+          <a:p>
+            <a:pPr marL="852488" lvl="3" indent="-342900"/>
+            <a:r>
+              <a:rPr lang="en-US" dirty="0" smtClean="0"/>
+              <a:t>Random</a:t>
+            </a:r>
+          </a:p>
+          <a:p>
+            <a:pPr marL="852488" lvl="3" indent="-342900"/>
+            <a:r>
+              <a:rPr lang="en-US" dirty="0" smtClean="0"/>
+              <a:t>CPU/Memory utilization</a:t>
+            </a:r>
+          </a:p>
+          <a:p>
+            <a:pPr marL="342900" indent="-342900">
+              <a:buFont typeface="Arial"/>
+              <a:buChar char="•"/>
+            </a:pPr>
+            <a:r>
+              <a:rPr lang="en-US" dirty="0" smtClean="0"/>
+              <a:t>Service-oriented Architecture (SOA)</a:t>
+            </a:r>
+          </a:p>
+          <a:p>
+            <a:pPr marL="852488" lvl="3" indent="-342900"/>
+            <a:r>
+              <a:rPr lang="en-US" dirty="0" smtClean="0"/>
+              <a:t>Replication versus partitioning of functionality</a:t>
+            </a:r>
+          </a:p>
+          <a:p>
+            <a:pPr marL="342900" indent="-342900">
+              <a:buFont typeface="Arial"/>
+              <a:buChar char="•"/>
+            </a:pPr>
+            <a:r>
+              <a:rPr lang="en-US" dirty="0" smtClean="0"/>
+              <a:t>Caching</a:t>
+            </a:r>
+          </a:p>
+          <a:p>
+            <a:pPr marL="852488" lvl="3" indent="-342900"/>
+            <a:r>
+              <a:rPr lang="en-US" dirty="0" smtClean="0"/>
+              <a:t>Policies for populating cache and evicting data</a:t>
+            </a:r>
+          </a:p>
+          <a:p>
+            <a:pPr marL="852488" lvl="3" indent="-342900"/>
+            <a:r>
+              <a:rPr lang="en-US" dirty="0" err="1" smtClean="0"/>
+              <a:t>Memcached</a:t>
+            </a:r>
+            <a:endParaRPr lang="en-US" dirty="0" smtClean="0"/>
+          </a:p>
+          <a:p>
+            <a:pPr marL="852488" lvl="3" indent="-342900"/>
+            <a:r>
+              <a:rPr lang="en-US" dirty="0" err="1" smtClean="0"/>
+              <a:t>Redis</a:t>
+            </a:r>
+            <a:endParaRPr lang="en-US" dirty="0" smtClean="0"/>
+          </a:p>
+          <a:p>
+            <a:pPr marL="342900" indent="-342900">
+              <a:buFont typeface="Arial"/>
+              <a:buChar char="•"/>
+            </a:pPr>
+            <a:endParaRPr lang="en-US" dirty="0" smtClean="0"/>
+          </a:p>
+          <a:p>
+            <a:pPr marL="852488" lvl="3" indent="-342900"/>
+            <a:endParaRPr lang="en-US" dirty="0"/>
+          </a:p>
+        </p:txBody>
+      </p:sp>
+    </p:spTree>
+    <p:extLst>
+      <p:ext uri="{BB962C8B-B14F-4D97-AF65-F5344CB8AC3E}">
+        <p14:creationId xmlns:p14="http://schemas.microsoft.com/office/powerpoint/2010/main" val="2724747937"/>
       </p:ext>
     </p:extLst>
   </p:cSld>
@@ -2395,6 +4550,145 @@
     <p:extLst>
       <p:ext uri="{BB962C8B-B14F-4D97-AF65-F5344CB8AC3E}">
         <p14:creationId xmlns:p14="http://schemas.microsoft.com/office/powerpoint/2010/main" val="3491208478"/>
+      </p:ext>
+    </p:extLst>
+  </p:cSld>
+  <p:clrMapOvr>
+    <a:masterClrMapping/>
+  </p:clrMapOvr>
+</p:sld>
+</file>
+
+<file path=ppt/slides/slide20.xml><?xml version="1.0" encoding="utf-8"?>
+<p:sld xmlns:a="http://schemas.openxmlformats.org/drawingml/2006/main" xmlns:r="http://schemas.openxmlformats.org/officeDocument/2006/relationships" xmlns:p="http://schemas.openxmlformats.org/presentationml/2006/main">
+  <p:cSld>
+    <p:spTree>
+      <p:nvGrpSpPr>
+        <p:cNvPr id="1" name=""/>
+        <p:cNvGrpSpPr/>
+        <p:nvPr/>
+      </p:nvGrpSpPr>
+      <p:grpSpPr>
+        <a:xfrm>
+          <a:off x="0" y="0"/>
+          <a:ext cx="0" cy="0"/>
+          <a:chOff x="0" y="0"/>
+          <a:chExt cx="0" cy="0"/>
+        </a:xfrm>
+      </p:grpSpPr>
+      <p:sp>
+        <p:nvSpPr>
+          <p:cNvPr id="4" name="Title 3"/>
+          <p:cNvSpPr>
+            <a:spLocks noGrp="1"/>
+          </p:cNvSpPr>
+          <p:nvPr>
+            <p:ph type="title"/>
+          </p:nvPr>
+        </p:nvSpPr>
+        <p:spPr/>
+        <p:txBody>
+          <a:bodyPr/>
+          <a:lstStyle/>
+          <a:p>
+            <a:r>
+              <a:rPr lang="en-US" dirty="0" smtClean="0"/>
+              <a:t>Design decisions</a:t>
+            </a:r>
+            <a:endParaRPr lang="en-US" dirty="0"/>
+          </a:p>
+        </p:txBody>
+      </p:sp>
+      <p:sp>
+        <p:nvSpPr>
+          <p:cNvPr id="5" name="Text Placeholder 4"/>
+          <p:cNvSpPr>
+            <a:spLocks noGrp="1"/>
+          </p:cNvSpPr>
+          <p:nvPr>
+            <p:ph type="body" sz="quarter" idx="10"/>
+          </p:nvPr>
+        </p:nvSpPr>
+        <p:spPr/>
+        <p:txBody>
+          <a:bodyPr/>
+          <a:lstStyle/>
+          <a:p>
+            <a:pPr marL="342900" indent="-342900">
+              <a:buFont typeface="Arial"/>
+              <a:buChar char="•"/>
+            </a:pPr>
+            <a:r>
+              <a:rPr lang="en-US" dirty="0" smtClean="0"/>
+              <a:t>Data</a:t>
+            </a:r>
+          </a:p>
+          <a:p>
+            <a:pPr marL="852488" lvl="3" indent="-342900"/>
+            <a:r>
+              <a:rPr lang="en-US" dirty="0" smtClean="0"/>
+              <a:t>Replicated </a:t>
+            </a:r>
+            <a:r>
+              <a:rPr lang="en-US" dirty="0" smtClean="0"/>
+              <a:t>versus partitioned</a:t>
+            </a:r>
+          </a:p>
+          <a:p>
+            <a:pPr marL="342900" lvl="2" indent="-342900"/>
+            <a:r>
+              <a:rPr lang="en-US" dirty="0" smtClean="0"/>
+              <a:t>Asynchronous </a:t>
+            </a:r>
+            <a:r>
+              <a:rPr lang="en-US" dirty="0" smtClean="0"/>
+              <a:t>processing</a:t>
+            </a:r>
+          </a:p>
+          <a:p>
+            <a:pPr marL="852488" lvl="3" indent="-342900"/>
+            <a:r>
+              <a:rPr lang="en-US" dirty="0" smtClean="0"/>
+              <a:t>Log requests for “big data” processing, transformation, </a:t>
+            </a:r>
+            <a:r>
+              <a:rPr lang="en-US" dirty="0" err="1" smtClean="0"/>
+              <a:t>etc</a:t>
+            </a:r>
+            <a:endParaRPr lang="en-US" dirty="0" smtClean="0"/>
+          </a:p>
+          <a:p>
+            <a:pPr marL="852488" lvl="3" indent="-342900"/>
+            <a:r>
+              <a:rPr lang="en-US" dirty="0" smtClean="0"/>
+              <a:t>Kafka</a:t>
+            </a:r>
+          </a:p>
+          <a:p>
+            <a:pPr marL="852488" lvl="3" indent="-342900"/>
+            <a:endParaRPr lang="en-US" dirty="0"/>
+          </a:p>
+          <a:p>
+            <a:pPr marL="852488" lvl="3" indent="-342900"/>
+            <a:endParaRPr lang="en-US" dirty="0" smtClean="0"/>
+          </a:p>
+          <a:p>
+            <a:pPr marL="342900" indent="-342900">
+              <a:buFont typeface="Arial"/>
+              <a:buChar char="•"/>
+            </a:pPr>
+            <a:endParaRPr lang="en-US" dirty="0" smtClean="0"/>
+          </a:p>
+          <a:p>
+            <a:pPr marL="852488" lvl="3" indent="-342900"/>
+            <a:endParaRPr lang="en-US" dirty="0"/>
+          </a:p>
+        </p:txBody>
+      </p:sp>
+    </p:spTree>
+    <p:extLst>
+      <p:ext uri="{BB962C8B-B14F-4D97-AF65-F5344CB8AC3E}">
+        <p14:creationId xmlns:p14="http://schemas.microsoft.com/office/powerpoint/2010/main" val="3408103767"/>
       </p:ext>
     </p:extLst>
   </p:cSld>
@@ -3246,7 +5540,7 @@
           <a:p>
             <a:r>
               <a:rPr lang="en-US" dirty="0" smtClean="0"/>
-              <a:t>Web services</a:t>
+              <a:t>Non-web distributed systems?</a:t>
             </a:r>
             <a:endParaRPr lang="en-US" dirty="0"/>
           </a:p>
@@ -3262,7 +5556,12 @@
             <p:ph type="body" sz="quarter" idx="10"/>
           </p:nvPr>
         </p:nvSpPr>
-        <p:spPr/>
+        <p:spPr>
+          <a:xfrm>
+            <a:off x="914403" y="1621266"/>
+            <a:ext cx="12801595" cy="5314110"/>
+          </a:xfrm>
+        </p:spPr>
         <p:txBody>
           <a:bodyPr/>
           <a:lstStyle/>
@@ -3273,58 +5572,118 @@
             </a:pPr>
             <a:r>
               <a:rPr lang="en-US" dirty="0" smtClean="0"/>
-              <a:t>Lab 1 </a:t>
-            </a:r>
+              <a:t>Twitter, </a:t>
+            </a:r>
+            <a:r>
+              <a:rPr lang="en-US" dirty="0" err="1" smtClean="0"/>
+              <a:t>Pinterest</a:t>
+            </a:r>
+            <a:r>
+              <a:rPr lang="en-US" dirty="0" smtClean="0"/>
+              <a:t>, Google, </a:t>
+            </a:r>
+            <a:r>
+              <a:rPr lang="en-US" dirty="0" err="1" smtClean="0"/>
+              <a:t>Etsy</a:t>
+            </a:r>
+            <a:endParaRPr lang="en-US" dirty="0" smtClean="0"/>
           </a:p>
           <a:p>
             <a:pPr marL="852488" lvl="3" indent="-342900"/>
             <a:r>
               <a:rPr lang="en-US" dirty="0" smtClean="0"/>
-              <a:t>Use Yelp and Twitter APIs</a:t>
-            </a:r>
-          </a:p>
-          <a:p>
-            <a:pPr marL="852488" lvl="3" indent="-342900"/>
-            <a:r>
-              <a:rPr lang="en-US" dirty="0">
-                <a:hlinkClick r:id="rId2"/>
-              </a:rPr>
-              <a:t>https://dev.twitter.com/docs/api/</a:t>
-            </a:r>
-            <a:r>
-              <a:rPr lang="en-US" dirty="0" smtClean="0">
-                <a:hlinkClick r:id="rId2"/>
-              </a:rPr>
-              <a:t>1.1</a:t>
-            </a:r>
-            <a:endParaRPr lang="en-US" dirty="0" smtClean="0"/>
-          </a:p>
-          <a:p>
-            <a:pPr marL="852488" lvl="3" indent="-342900"/>
-            <a:r>
-              <a:rPr lang="en-US" dirty="0">
-                <a:hlinkClick r:id="rId3"/>
-              </a:rPr>
-              <a:t>http://www.yelp.com/</a:t>
-            </a:r>
-            <a:r>
-              <a:rPr lang="en-US" dirty="0" smtClean="0">
-                <a:hlinkClick r:id="rId3"/>
-              </a:rPr>
-              <a:t>developers</a:t>
-            </a:r>
-            <a:endParaRPr lang="en-US" dirty="0" smtClean="0"/>
+              <a:t>All are web-based applications</a:t>
+            </a:r>
           </a:p>
           <a:p>
             <a:pPr marL="852488" lvl="3" indent="-342900"/>
             <a:endParaRPr lang="en-US" dirty="0"/>
           </a:p>
           <a:p>
-            <a:pPr marL="342900" lvl="2" indent="-342900"/>
+            <a:pPr marL="342900" indent="-342900">
+              <a:buFont typeface="Arial"/>
+              <a:buChar char="•"/>
+            </a:pPr>
+            <a:r>
+              <a:rPr lang="en-US" dirty="0" smtClean="0"/>
+              <a:t>What about other kinds of applications?</a:t>
+            </a:r>
+          </a:p>
+          <a:p>
+            <a:pPr marL="342900" indent="-342900">
+              <a:buFont typeface="Arial"/>
+              <a:buChar char="•"/>
+            </a:pPr>
+            <a:r>
+              <a:rPr lang="en-US" dirty="0" smtClean="0"/>
+              <a:t>Characteristics</a:t>
+            </a:r>
+          </a:p>
+          <a:p>
+            <a:pPr marL="852488" lvl="3" indent="-342900"/>
+            <a:r>
+              <a:rPr lang="en-US" dirty="0" smtClean="0"/>
+              <a:t>Concurrency</a:t>
+            </a:r>
+          </a:p>
+          <a:p>
+            <a:pPr marL="852488" lvl="3" indent="-342900"/>
+            <a:r>
+              <a:rPr lang="en-US" dirty="0" smtClean="0"/>
+              <a:t>Independent failures</a:t>
+            </a:r>
+          </a:p>
+          <a:p>
+            <a:pPr marL="852488" lvl="3" indent="-342900"/>
+            <a:r>
+              <a:rPr lang="en-US" dirty="0" smtClean="0"/>
+              <a:t>No global clock</a:t>
+            </a:r>
+          </a:p>
+          <a:p>
+            <a:pPr marL="852488" lvl="3" indent="-342900"/>
+            <a:r>
+              <a:rPr lang="en-US" dirty="0" smtClean="0"/>
+              <a:t>Heterogeneity</a:t>
+            </a:r>
+          </a:p>
+          <a:p>
+            <a:pPr marL="852488" lvl="3" indent="-342900"/>
+            <a:r>
+              <a:rPr lang="en-US" dirty="0" smtClean="0"/>
+              <a:t>High latency communication</a:t>
+            </a:r>
+          </a:p>
+          <a:p>
+            <a:pPr marL="852488" lvl="3" indent="-342900"/>
+            <a:r>
+              <a:rPr lang="en-US" dirty="0" smtClean="0"/>
+              <a:t>System composed of computers spread over a large geographic area, maybe under different administrative domains</a:t>
+            </a:r>
+          </a:p>
+          <a:p>
+            <a:pPr marL="342900" indent="-342900">
+              <a:buFont typeface="Arial"/>
+              <a:buChar char="•"/>
+            </a:pPr>
+            <a:endParaRPr lang="en-US" dirty="0" smtClean="0"/>
+          </a:p>
+          <a:p>
+            <a:pPr lvl="1"/>
+            <a:endParaRPr lang="en-US" dirty="0" smtClean="0"/>
+          </a:p>
+          <a:p>
+            <a:pPr marL="342900" indent="-342900">
+              <a:buFont typeface="Arial"/>
+              <a:buChar char="•"/>
+            </a:pPr>
             <a:endParaRPr lang="en-US" dirty="0"/>
           </a:p>
           <a:p>
-            <a:pPr marL="852488" lvl="3" indent="-342900"/>
+            <a:pPr marL="342900" indent="-342900">
+              <a:buFont typeface="Arial"/>
+              <a:buChar char="•"/>
+            </a:pPr>
             <a:endParaRPr lang="en-US" dirty="0"/>
           </a:p>
         </p:txBody>
@@ -3332,7 +5691,7 @@
     </p:spTree>
     <p:extLst>
       <p:ext uri="{BB962C8B-B14F-4D97-AF65-F5344CB8AC3E}">
-        <p14:creationId xmlns:p14="http://schemas.microsoft.com/office/powerpoint/2010/main" val="752532278"/>
+        <p14:creationId xmlns:p14="http://schemas.microsoft.com/office/powerpoint/2010/main" val="1176997950"/>
       </p:ext>
     </p:extLst>
   </p:cSld>
@@ -3376,7 +5735,7 @@
           <a:p>
             <a:r>
               <a:rPr lang="en-US" dirty="0" smtClean="0"/>
-              <a:t>Non-web distributed systems?</a:t>
+              <a:t>Other distributed systems</a:t>
             </a:r>
             <a:endParaRPr lang="en-US" dirty="0"/>
           </a:p>
@@ -3392,12 +5751,7 @@
             <p:ph type="body" sz="quarter" idx="10"/>
           </p:nvPr>
         </p:nvSpPr>
-        <p:spPr>
-          <a:xfrm>
-            <a:off x="914403" y="1621266"/>
-            <a:ext cx="12801595" cy="5314110"/>
-          </a:xfrm>
-        </p:spPr>
+        <p:spPr/>
         <p:txBody>
           <a:bodyPr/>
           <a:lstStyle/>
@@ -3408,32 +5762,36 @@
             </a:pPr>
             <a:r>
               <a:rPr lang="en-US" dirty="0" smtClean="0"/>
-              <a:t>Twitter, </a:t>
-            </a:r>
-            <a:r>
-              <a:rPr lang="en-US" dirty="0" err="1" smtClean="0"/>
-              <a:t>Pinterest</a:t>
-            </a:r>
-            <a:r>
-              <a:rPr lang="en-US" dirty="0" smtClean="0"/>
-              <a:t>, Google, </a:t>
-            </a:r>
-            <a:r>
-              <a:rPr lang="en-US" dirty="0" err="1" smtClean="0"/>
-              <a:t>Etsy</a:t>
-            </a:r>
-            <a:endParaRPr lang="en-US" dirty="0" smtClean="0"/>
+              <a:t>Peer-to-peer</a:t>
+            </a:r>
           </a:p>
           <a:p>
             <a:pPr marL="852488" lvl="3" indent="-342900"/>
             <a:r>
               <a:rPr lang="en-US" dirty="0" smtClean="0"/>
-              <a:t>All are web-based applications</a:t>
+              <a:t>File sharing/distribution</a:t>
             </a:r>
           </a:p>
           <a:p>
             <a:pPr marL="852488" lvl="3" indent="-342900"/>
-            <a:endParaRPr lang="en-US" dirty="0"/>
+            <a:r>
+              <a:rPr lang="en-US" dirty="0" smtClean="0"/>
+              <a:t>Gnutella?</a:t>
+            </a:r>
+          </a:p>
+          <a:p>
+            <a:pPr marL="852488" lvl="3" indent="-342900"/>
+            <a:r>
+              <a:rPr lang="en-US" dirty="0" smtClean="0"/>
+              <a:t>Bit torrent</a:t>
+            </a:r>
+          </a:p>
+          <a:p>
+            <a:pPr marL="852488" lvl="3" indent="-342900"/>
+            <a:r>
+              <a:rPr lang="en-US" dirty="0" smtClean="0"/>
+              <a:t>Others?</a:t>
+            </a:r>
           </a:p>
           <a:p>
             <a:pPr marL="342900" indent="-342900">
@@ -3442,7 +5800,7 @@
             </a:pPr>
             <a:r>
               <a:rPr lang="en-US" dirty="0" smtClean="0"/>
-              <a:t>What about other kinds of applications?</a:t>
+              <a:t>MMOG</a:t>
             </a:r>
           </a:p>
           <a:p>
@@ -3452,49 +5810,7 @@
             </a:pPr>
             <a:r>
               <a:rPr lang="en-US" dirty="0" smtClean="0"/>
-              <a:t>Characteristics</a:t>
-            </a:r>
-          </a:p>
-          <a:p>
-            <a:pPr marL="852488" lvl="3" indent="-342900"/>
-            <a:r>
-              <a:rPr lang="en-US" dirty="0" smtClean="0"/>
-              <a:t>Concurrency</a:t>
-            </a:r>
-          </a:p>
-          <a:p>
-            <a:pPr marL="852488" lvl="3" indent="-342900"/>
-            <a:r>
-              <a:rPr lang="en-US" dirty="0" smtClean="0"/>
-              <a:t>Independent failures</a:t>
-            </a:r>
-          </a:p>
-          <a:p>
-            <a:pPr marL="852488" lvl="3" indent="-342900"/>
-            <a:r>
-              <a:rPr lang="en-US" dirty="0" smtClean="0"/>
-              <a:t>No global clock</a:t>
-            </a:r>
-          </a:p>
-          <a:p>
-            <a:pPr marL="852488" lvl="3" indent="-342900"/>
-            <a:r>
-              <a:rPr lang="en-US" dirty="0" smtClean="0"/>
-              <a:t>Heterogeneity</a:t>
-            </a:r>
-          </a:p>
-          <a:p>
-            <a:pPr marL="852488" lvl="3" indent="-342900"/>
-            <a:r>
-              <a:rPr lang="en-US" dirty="0" smtClean="0"/>
-              <a:t>High latency communication</a:t>
-            </a:r>
-          </a:p>
-          <a:p>
-            <a:pPr marL="852488" lvl="3" indent="-342900"/>
-            <a:r>
-              <a:rPr lang="en-US" dirty="0" smtClean="0"/>
-              <a:t>System composed of computers spread over a large geographic area, maybe under different administrative domains</a:t>
+              <a:t>DNS</a:t>
             </a:r>
           </a:p>
           <a:p>
@@ -3502,24 +5818,34 @@
               <a:buFont typeface="Arial"/>
               <a:buChar char="•"/>
             </a:pPr>
-            <a:endParaRPr lang="en-US" dirty="0" smtClean="0"/>
-          </a:p>
-          <a:p>
-            <a:pPr lvl="1"/>
-            <a:endParaRPr lang="en-US" dirty="0" smtClean="0"/>
-          </a:p>
-          <a:p>
-            <a:pPr marL="342900" indent="-342900">
-              <a:buFont typeface="Arial"/>
-              <a:buChar char="•"/>
-            </a:pPr>
-            <a:endParaRPr lang="en-US" dirty="0"/>
-          </a:p>
-          <a:p>
-            <a:pPr marL="342900" indent="-342900">
-              <a:buFont typeface="Arial"/>
-              <a:buChar char="•"/>
-            </a:pPr>
+            <a:r>
+              <a:rPr lang="en-US" dirty="0" smtClean="0"/>
+              <a:t>CDNs</a:t>
+            </a:r>
+          </a:p>
+          <a:p>
+            <a:pPr marL="852488" lvl="3" indent="-342900"/>
+            <a:r>
+              <a:rPr lang="en-US" dirty="0" smtClean="0"/>
+              <a:t>Akamai</a:t>
+            </a:r>
+          </a:p>
+          <a:p>
+            <a:pPr marL="852488" lvl="3" indent="-342900"/>
+            <a:r>
+              <a:rPr lang="en-US" dirty="0" smtClean="0"/>
+              <a:t>Limelight</a:t>
+            </a:r>
+          </a:p>
+          <a:p>
+            <a:pPr marL="852488" lvl="3" indent="-342900"/>
+            <a:r>
+              <a:rPr lang="en-US" dirty="0" smtClean="0"/>
+              <a:t>Netflix Open Connect</a:t>
+            </a:r>
+          </a:p>
+          <a:p>
+            <a:pPr marL="852488" lvl="3" indent="-342900"/>
             <a:endParaRPr lang="en-US" dirty="0"/>
           </a:p>
         </p:txBody>
@@ -3527,7 +5853,7 @@
     </p:spTree>
     <p:extLst>
       <p:ext uri="{BB962C8B-B14F-4D97-AF65-F5344CB8AC3E}">
-        <p14:creationId xmlns:p14="http://schemas.microsoft.com/office/powerpoint/2010/main" val="1176997950"/>
+        <p14:creationId xmlns:p14="http://schemas.microsoft.com/office/powerpoint/2010/main" val="2080929263"/>
       </p:ext>
     </p:extLst>
   </p:cSld>
